--- a/figs/graphicalabstract.pptx
+++ b/figs/graphicalabstract.pptx
@@ -2975,49 +2975,6 @@
       </p:grpSpPr>
       <p:sp>
         <p:nvSpPr>
-          <p:cNvPr id="55" name="TextBox 54">
-            <a:extLst>
-              <a:ext uri="{FF2B5EF4-FFF2-40B4-BE49-F238E27FC236}">
-                <a16:creationId xmlns:a16="http://schemas.microsoft.com/office/drawing/2014/main" id="{BE5FF93B-BCE5-4D7B-872A-D82221AE76EE}"/>
-              </a:ext>
-            </a:extLst>
-          </p:cNvPr>
-          <p:cNvSpPr txBox="1"/>
-          <p:nvPr/>
-        </p:nvSpPr>
-        <p:spPr>
-          <a:xfrm>
-            <a:off x="-5926330" y="5979774"/>
-            <a:ext cx="1836850" cy="369332"/>
-          </a:xfrm>
-          <a:prstGeom prst="rect">
-            <a:avLst/>
-          </a:prstGeom>
-          <a:noFill/>
-        </p:spPr>
-        <p:txBody>
-          <a:bodyPr wrap="none" rtlCol="0">
-            <a:spAutoFit/>
-          </a:bodyPr>
-          <a:lstStyle/>
-          <a:p>
-            <a:r>
-              <a:rPr lang="en-GB" dirty="0"/>
-              <a:t>pointwise </a:t>
-            </a:r>
-            <a:r>
-              <a:rPr lang="en-GB" u="dash" dirty="0"/>
-              <a:t>BCa</a:t>
-            </a:r>
-            <a:r>
-              <a:rPr lang="en-GB" dirty="0"/>
-              <a:t> CIs</a:t>
-            </a:r>
-          </a:p>
-        </p:txBody>
-      </p:sp>
-      <p:sp>
-        <p:nvSpPr>
           <p:cNvPr id="3" name="Subtitle 2">
             <a:extLst>
               <a:ext uri="{FF2B5EF4-FFF2-40B4-BE49-F238E27FC236}">
@@ -3133,9 +3090,9 @@
         <p:grpSpPr>
           <a:xfrm>
             <a:off x="5180002" y="1618642"/>
-            <a:ext cx="4382897" cy="1298522"/>
+            <a:ext cx="4382897" cy="1032217"/>
             <a:chOff x="2066842" y="1110702"/>
-            <a:chExt cx="3346325" cy="1249637"/>
+            <a:chExt cx="3346325" cy="993358"/>
           </a:xfrm>
         </p:grpSpPr>
         <p:sp>
@@ -3197,8 +3154,8 @@
           </p:nvSpPr>
           <p:spPr>
             <a:xfrm>
-              <a:off x="2310523" y="1560626"/>
-              <a:ext cx="2340361" cy="799713"/>
+              <a:off x="2567369" y="1482061"/>
+              <a:ext cx="2021861" cy="621999"/>
             </a:xfrm>
             <a:prstGeom prst="rect">
               <a:avLst/>
@@ -3212,7 +3169,7 @@
             <a:lstStyle/>
             <a:p>
               <a:r>
-                <a:rPr lang="en-GB" sz="2400" dirty="0">
+                <a:rPr lang="en-GB" dirty="0">
                   <a:solidFill>
                     <a:schemeClr val="bg1">
                       <a:lumMod val="50000"/>
@@ -3224,7 +3181,7 @@
             </a:p>
             <a:p>
               <a:r>
-                <a:rPr lang="en-GB" sz="2400" dirty="0">
+                <a:rPr lang="en-GB" dirty="0">
                   <a:solidFill>
                     <a:schemeClr val="bg1">
                       <a:lumMod val="50000"/>
@@ -3234,7 +3191,7 @@
                 <a:t>against no clustering, H</a:t>
               </a:r>
               <a:r>
-                <a:rPr lang="en-GB" sz="2400" baseline="-25000" dirty="0">
+                <a:rPr lang="en-GB" baseline="-25000" dirty="0">
                   <a:solidFill>
                     <a:schemeClr val="bg1">
                       <a:lumMod val="50000"/>
@@ -3243,7 +3200,7 @@
                 </a:rPr>
                 <a:t>0</a:t>
               </a:r>
-              <a:endParaRPr lang="en-GB" sz="2400" dirty="0">
+              <a:endParaRPr lang="en-GB" dirty="0">
                 <a:solidFill>
                   <a:schemeClr val="bg1">
                     <a:lumMod val="50000"/>
@@ -3268,10 +3225,10 @@
         </p:nvGrpSpPr>
         <p:grpSpPr>
           <a:xfrm>
-            <a:off x="9775563" y="433651"/>
-            <a:ext cx="3701790" cy="863029"/>
-            <a:chOff x="6882433" y="2976271"/>
-            <a:chExt cx="3272710" cy="830539"/>
+            <a:off x="10630354" y="486552"/>
+            <a:ext cx="3502410" cy="764508"/>
+            <a:chOff x="7377545" y="2913823"/>
+            <a:chExt cx="3096441" cy="735727"/>
           </a:xfrm>
         </p:grpSpPr>
         <p:sp>
@@ -3288,8 +3245,8 @@
           </p:nvSpPr>
           <p:spPr>
             <a:xfrm>
-              <a:off x="6882433" y="2976271"/>
-              <a:ext cx="3272710" cy="444285"/>
+              <a:off x="7377545" y="2913823"/>
+              <a:ext cx="3001135" cy="444285"/>
             </a:xfrm>
             <a:prstGeom prst="rect">
               <a:avLst/>
@@ -3333,8 +3290,8 @@
           </p:nvSpPr>
           <p:spPr>
             <a:xfrm>
-              <a:off x="7744732" y="3355244"/>
-              <a:ext cx="2410411" cy="451566"/>
+              <a:off x="8814619" y="3294122"/>
+              <a:ext cx="1659367" cy="355428"/>
             </a:xfrm>
             <a:prstGeom prst="rect">
               <a:avLst/>
@@ -3348,14 +3305,14 @@
             <a:lstStyle/>
             <a:p>
               <a:r>
-                <a:rPr lang="en-GB" sz="2400" dirty="0">
+                <a:rPr lang="en-GB" dirty="0">
                   <a:solidFill>
                     <a:schemeClr val="bg1">
                       <a:lumMod val="50000"/>
                     </a:schemeClr>
                   </a:solidFill>
                 </a:rPr>
-                <a:t>range of clustering D</a:t>
+                <a:t>clustering range D</a:t>
               </a:r>
             </a:p>
           </p:txBody>
@@ -3375,7 +3332,7 @@
         </p:nvGrpSpPr>
         <p:grpSpPr>
           <a:xfrm>
-            <a:off x="1546560" y="1368383"/>
+            <a:off x="1450944" y="1368383"/>
             <a:ext cx="1982201" cy="1530535"/>
             <a:chOff x="4643352" y="335666"/>
             <a:chExt cx="1466923" cy="1132668"/>
@@ -4831,260 +4788,6 @@
           </a:p>
         </p:txBody>
       </p:sp>
-      <p:cxnSp>
-        <p:nvCxnSpPr>
-          <p:cNvPr id="12" name="Straight Arrow Connector 11">
-            <a:extLst>
-              <a:ext uri="{FF2B5EF4-FFF2-40B4-BE49-F238E27FC236}">
-                <a16:creationId xmlns:a16="http://schemas.microsoft.com/office/drawing/2014/main" id="{E3152B1B-42A4-4E9E-90ED-AA2BFE6F960D}"/>
-              </a:ext>
-            </a:extLst>
-          </p:cNvPr>
-          <p:cNvCxnSpPr>
-            <a:cxnSpLocks/>
-          </p:cNvCxnSpPr>
-          <p:nvPr/>
-        </p:nvCxnSpPr>
-        <p:spPr>
-          <a:xfrm flipH="1">
-            <a:off x="-1142251" y="4204268"/>
-            <a:ext cx="469573" cy="635937"/>
-          </a:xfrm>
-          <a:prstGeom prst="straightConnector1">
-            <a:avLst/>
-          </a:prstGeom>
-          <a:ln>
-            <a:tailEnd type="triangle"/>
-          </a:ln>
-        </p:spPr>
-        <p:style>
-          <a:lnRef idx="1">
-            <a:schemeClr val="accent1"/>
-          </a:lnRef>
-          <a:fillRef idx="0">
-            <a:schemeClr val="accent1"/>
-          </a:fillRef>
-          <a:effectRef idx="0">
-            <a:schemeClr val="accent1"/>
-          </a:effectRef>
-          <a:fontRef idx="minor">
-            <a:schemeClr val="tx1"/>
-          </a:fontRef>
-        </p:style>
-      </p:cxnSp>
-      <p:cxnSp>
-        <p:nvCxnSpPr>
-          <p:cNvPr id="61" name="Straight Arrow Connector 60">
-            <a:extLst>
-              <a:ext uri="{FF2B5EF4-FFF2-40B4-BE49-F238E27FC236}">
-                <a16:creationId xmlns:a16="http://schemas.microsoft.com/office/drawing/2014/main" id="{66B0D5B2-FF26-4BCD-8045-9A8A64DF0006}"/>
-              </a:ext>
-            </a:extLst>
-          </p:cNvPr>
-          <p:cNvCxnSpPr>
-            <a:cxnSpLocks/>
-            <a:stCxn id="55" idx="1"/>
-          </p:cNvCxnSpPr>
-          <p:nvPr/>
-        </p:nvCxnSpPr>
-        <p:spPr>
-          <a:xfrm flipH="1">
-            <a:off x="-6686982" y="6164440"/>
-            <a:ext cx="760652" cy="302922"/>
-          </a:xfrm>
-          <a:prstGeom prst="straightConnector1">
-            <a:avLst/>
-          </a:prstGeom>
-          <a:ln>
-            <a:tailEnd type="triangle"/>
-          </a:ln>
-        </p:spPr>
-        <p:style>
-          <a:lnRef idx="1">
-            <a:schemeClr val="accent1"/>
-          </a:lnRef>
-          <a:fillRef idx="0">
-            <a:schemeClr val="accent1"/>
-          </a:fillRef>
-          <a:effectRef idx="0">
-            <a:schemeClr val="accent1"/>
-          </a:effectRef>
-          <a:fontRef idx="minor">
-            <a:schemeClr val="tx1"/>
-          </a:fontRef>
-        </p:style>
-      </p:cxnSp>
-      <p:sp>
-        <p:nvSpPr>
-          <p:cNvPr id="37" name="Oval 36">
-            <a:extLst>
-              <a:ext uri="{FF2B5EF4-FFF2-40B4-BE49-F238E27FC236}">
-                <a16:creationId xmlns:a16="http://schemas.microsoft.com/office/drawing/2014/main" id="{17E6DA10-AEC1-4E4A-85C3-B9C534FC89F0}"/>
-              </a:ext>
-            </a:extLst>
-          </p:cNvPr>
-          <p:cNvSpPr/>
-          <p:nvPr/>
-        </p:nvSpPr>
-        <p:spPr>
-          <a:xfrm>
-            <a:off x="21155007" y="1234564"/>
-            <a:ext cx="1416352" cy="459526"/>
-          </a:xfrm>
-          <a:prstGeom prst="ellipse">
-            <a:avLst/>
-          </a:prstGeom>
-          <a:noFill/>
-        </p:spPr>
-        <p:style>
-          <a:lnRef idx="2">
-            <a:schemeClr val="accent1">
-              <a:shade val="50000"/>
-            </a:schemeClr>
-          </a:lnRef>
-          <a:fillRef idx="1">
-            <a:schemeClr val="accent1"/>
-          </a:fillRef>
-          <a:effectRef idx="0">
-            <a:schemeClr val="accent1"/>
-          </a:effectRef>
-          <a:fontRef idx="minor">
-            <a:schemeClr val="lt1"/>
-          </a:fontRef>
-        </p:style>
-        <p:txBody>
-          <a:bodyPr rtlCol="0" anchor="ctr"/>
-          <a:lstStyle/>
-          <a:p>
-            <a:pPr algn="ctr"/>
-            <a:endParaRPr lang="en-GB" sz="2400"/>
-          </a:p>
-        </p:txBody>
-      </p:sp>
-      <p:sp>
-        <p:nvSpPr>
-          <p:cNvPr id="33" name="Oval 32">
-            <a:extLst>
-              <a:ext uri="{FF2B5EF4-FFF2-40B4-BE49-F238E27FC236}">
-                <a16:creationId xmlns:a16="http://schemas.microsoft.com/office/drawing/2014/main" id="{B87723A5-5310-4335-AC6C-20BE921E4DE7}"/>
-              </a:ext>
-            </a:extLst>
-          </p:cNvPr>
-          <p:cNvSpPr/>
-          <p:nvPr/>
-        </p:nvSpPr>
-        <p:spPr>
-          <a:xfrm>
-            <a:off x="18876461" y="1569537"/>
-            <a:ext cx="2644126" cy="2434523"/>
-          </a:xfrm>
-          <a:prstGeom prst="ellipse">
-            <a:avLst/>
-          </a:prstGeom>
-          <a:noFill/>
-        </p:spPr>
-        <p:style>
-          <a:lnRef idx="2">
-            <a:schemeClr val="accent1">
-              <a:shade val="50000"/>
-            </a:schemeClr>
-          </a:lnRef>
-          <a:fillRef idx="1">
-            <a:schemeClr val="accent1"/>
-          </a:fillRef>
-          <a:effectRef idx="0">
-            <a:schemeClr val="accent1"/>
-          </a:effectRef>
-          <a:fontRef idx="minor">
-            <a:schemeClr val="lt1"/>
-          </a:fontRef>
-        </p:style>
-        <p:txBody>
-          <a:bodyPr rtlCol="0" anchor="ctr"/>
-          <a:lstStyle/>
-          <a:p>
-            <a:pPr algn="ctr"/>
-            <a:endParaRPr lang="en-GB" sz="2400"/>
-          </a:p>
-        </p:txBody>
-      </p:sp>
-      <p:cxnSp>
-        <p:nvCxnSpPr>
-          <p:cNvPr id="39" name="Straight Connector 38">
-            <a:extLst>
-              <a:ext uri="{FF2B5EF4-FFF2-40B4-BE49-F238E27FC236}">
-                <a16:creationId xmlns:a16="http://schemas.microsoft.com/office/drawing/2014/main" id="{2DA2F11C-3218-4496-838B-DF0A300E0CE3}"/>
-              </a:ext>
-            </a:extLst>
-          </p:cNvPr>
-          <p:cNvCxnSpPr>
-            <a:cxnSpLocks/>
-          </p:cNvCxnSpPr>
-          <p:nvPr/>
-        </p:nvCxnSpPr>
-        <p:spPr>
-          <a:xfrm flipH="1">
-            <a:off x="21423160" y="1566337"/>
-            <a:ext cx="1089437" cy="1720045"/>
-          </a:xfrm>
-          <a:prstGeom prst="line">
-            <a:avLst/>
-          </a:prstGeom>
-        </p:spPr>
-        <p:style>
-          <a:lnRef idx="1">
-            <a:schemeClr val="accent1"/>
-          </a:lnRef>
-          <a:fillRef idx="0">
-            <a:schemeClr val="accent1"/>
-          </a:fillRef>
-          <a:effectRef idx="0">
-            <a:schemeClr val="accent1"/>
-          </a:effectRef>
-          <a:fontRef idx="minor">
-            <a:schemeClr val="tx1"/>
-          </a:fontRef>
-        </p:style>
-      </p:cxnSp>
-      <p:cxnSp>
-        <p:nvCxnSpPr>
-          <p:cNvPr id="46" name="Straight Connector 45">
-            <a:extLst>
-              <a:ext uri="{FF2B5EF4-FFF2-40B4-BE49-F238E27FC236}">
-                <a16:creationId xmlns:a16="http://schemas.microsoft.com/office/drawing/2014/main" id="{7E01F279-241B-4E77-85B8-C21CA63C9987}"/>
-              </a:ext>
-            </a:extLst>
-          </p:cNvPr>
-          <p:cNvCxnSpPr>
-            <a:cxnSpLocks/>
-            <a:endCxn id="33" idx="0"/>
-          </p:cNvCxnSpPr>
-          <p:nvPr/>
-        </p:nvCxnSpPr>
-        <p:spPr>
-          <a:xfrm flipH="1">
-            <a:off x="20198524" y="1265545"/>
-            <a:ext cx="1271909" cy="303992"/>
-          </a:xfrm>
-          <a:prstGeom prst="line">
-            <a:avLst/>
-          </a:prstGeom>
-        </p:spPr>
-        <p:style>
-          <a:lnRef idx="1">
-            <a:schemeClr val="accent1"/>
-          </a:lnRef>
-          <a:fillRef idx="0">
-            <a:schemeClr val="accent1"/>
-          </a:fillRef>
-          <a:effectRef idx="0">
-            <a:schemeClr val="accent1"/>
-          </a:effectRef>
-          <a:fontRef idx="minor">
-            <a:schemeClr val="tx1"/>
-          </a:fontRef>
-        </p:style>
-      </p:cxnSp>
       <p:grpSp>
         <p:nvGrpSpPr>
           <p:cNvPr id="67" name="Group 66">
@@ -5098,11 +4801,11 @@
           <p:nvPr/>
         </p:nvGrpSpPr>
         <p:grpSpPr>
-          <a:xfrm>
-            <a:off x="9798857" y="1587338"/>
-            <a:ext cx="2731781" cy="1100880"/>
-            <a:chOff x="-6451640" y="3632489"/>
-            <a:chExt cx="2731781" cy="1100880"/>
+          <a:xfrm rot="19848039">
+            <a:off x="9415804" y="1108179"/>
+            <a:ext cx="2423808" cy="1047943"/>
+            <a:chOff x="-6208537" y="3500912"/>
+            <a:chExt cx="2423808" cy="1047943"/>
           </a:xfrm>
         </p:grpSpPr>
         <p:sp>
@@ -5119,7 +4822,7 @@
           </p:nvSpPr>
           <p:spPr>
             <a:xfrm>
-              <a:off x="-6309417" y="3810039"/>
+              <a:off x="-6208537" y="3625525"/>
               <a:ext cx="2423808" cy="923330"/>
             </a:xfrm>
             <a:prstGeom prst="rect">
@@ -5139,25 +4842,71 @@
             <a:p>
               <a:pPr algn="ctr"/>
               <a:r>
-                <a:rPr lang="en-GB" dirty="0"/>
-                <a:t>if clustering visible, simulate </a:t>
+                <a:rPr lang="en-GB" dirty="0">
+                  <a:solidFill>
+                    <a:schemeClr val="bg1">
+                      <a:lumMod val="50000"/>
+                    </a:schemeClr>
+                  </a:solidFill>
+                </a:rPr>
+                <a:t>if clustering visible, </a:t>
+              </a:r>
+            </a:p>
+            <a:p>
+              <a:pPr algn="ctr"/>
+              <a:r>
+                <a:rPr lang="en-GB" dirty="0">
+                  <a:solidFill>
+                    <a:schemeClr val="bg1">
+                      <a:lumMod val="50000"/>
+                    </a:schemeClr>
+                  </a:solidFill>
+                </a:rPr>
+                <a:t>use </a:t>
+              </a:r>
+              <a:r>
+                <a:rPr lang="en-GB" u="dashLong" dirty="0">
+                  <a:solidFill>
+                    <a:schemeClr val="bg1">
+                      <a:lumMod val="50000"/>
+                    </a:schemeClr>
+                  </a:solidFill>
+                </a:rPr>
+                <a:t>spatial bootstrap </a:t>
+              </a:r>
+            </a:p>
+            <a:p>
+              <a:pPr algn="ctr"/>
+              <a:r>
+                <a:rPr lang="en-GB" dirty="0">
+                  <a:solidFill>
+                    <a:schemeClr val="bg1">
+                      <a:lumMod val="50000"/>
+                    </a:schemeClr>
+                  </a:solidFill>
+                </a:rPr>
+                <a:t>to simulate </a:t>
               </a:r>
               <a:r>
                 <a:rPr lang="en-GB" dirty="0">
+                  <a:solidFill>
+                    <a:schemeClr val="bg1">
+                      <a:lumMod val="50000"/>
+                    </a:schemeClr>
+                  </a:solidFill>
                   <a:highlight>
                     <a:srgbClr val="00FF00"/>
                   </a:highlight>
                 </a:rPr>
                 <a:t>𝜏</a:t>
               </a:r>
-              <a:r>
-                <a:rPr lang="en-GB" dirty="0"/>
-                <a:t> using </a:t>
-              </a:r>
-              <a:r>
-                <a:rPr lang="en-GB" u="dashLong" dirty="0"/>
-                <a:t>spatial bootstrap</a:t>
-              </a:r>
+              <a:endParaRPr lang="en-GB" u="dashLong" dirty="0">
+                <a:solidFill>
+                  <a:schemeClr val="bg1">
+                    <a:lumMod val="50000"/>
+                  </a:schemeClr>
+                </a:solidFill>
+              </a:endParaRPr>
             </a:p>
           </p:txBody>
         </p:sp>
@@ -5175,8 +4924,8 @@
           </p:nvSpPr>
           <p:spPr>
             <a:xfrm>
-              <a:off x="-6451640" y="3632489"/>
-              <a:ext cx="2731781" cy="177550"/>
+              <a:off x="-5874984" y="3500912"/>
+              <a:ext cx="1301839" cy="141882"/>
             </a:xfrm>
             <a:prstGeom prst="rightArrow">
               <a:avLst/>
@@ -5208,131 +4957,6 @@
           </p:txBody>
         </p:sp>
       </p:grpSp>
-      <p:cxnSp>
-        <p:nvCxnSpPr>
-          <p:cNvPr id="91" name="Straight Arrow Connector 90">
-            <a:extLst>
-              <a:ext uri="{FF2B5EF4-FFF2-40B4-BE49-F238E27FC236}">
-                <a16:creationId xmlns:a16="http://schemas.microsoft.com/office/drawing/2014/main" id="{7C769ED0-A066-43D3-A95D-222532B5C19C}"/>
-              </a:ext>
-            </a:extLst>
-          </p:cNvPr>
-          <p:cNvCxnSpPr>
-            <a:cxnSpLocks/>
-            <a:stCxn id="55" idx="1"/>
-          </p:cNvCxnSpPr>
-          <p:nvPr/>
-        </p:nvCxnSpPr>
-        <p:spPr>
-          <a:xfrm flipH="1">
-            <a:off x="-6593576" y="6164440"/>
-            <a:ext cx="667246" cy="381642"/>
-          </a:xfrm>
-          <a:prstGeom prst="straightConnector1">
-            <a:avLst/>
-          </a:prstGeom>
-          <a:ln>
-            <a:tailEnd type="triangle"/>
-          </a:ln>
-        </p:spPr>
-        <p:style>
-          <a:lnRef idx="1">
-            <a:schemeClr val="accent1"/>
-          </a:lnRef>
-          <a:fillRef idx="0">
-            <a:schemeClr val="accent1"/>
-          </a:fillRef>
-          <a:effectRef idx="0">
-            <a:schemeClr val="accent1"/>
-          </a:effectRef>
-          <a:fontRef idx="minor">
-            <a:schemeClr val="tx1"/>
-          </a:fontRef>
-        </p:style>
-      </p:cxnSp>
-      <p:cxnSp>
-        <p:nvCxnSpPr>
-          <p:cNvPr id="92" name="Straight Arrow Connector 91">
-            <a:extLst>
-              <a:ext uri="{FF2B5EF4-FFF2-40B4-BE49-F238E27FC236}">
-                <a16:creationId xmlns:a16="http://schemas.microsoft.com/office/drawing/2014/main" id="{519AF7E0-4984-473C-B6E1-758B0B5C6874}"/>
-              </a:ext>
-            </a:extLst>
-          </p:cNvPr>
-          <p:cNvCxnSpPr>
-            <a:cxnSpLocks/>
-            <a:stCxn id="55" idx="1"/>
-          </p:cNvCxnSpPr>
-          <p:nvPr/>
-        </p:nvCxnSpPr>
-        <p:spPr>
-          <a:xfrm flipH="1">
-            <a:off x="-6501680" y="6164440"/>
-            <a:ext cx="575350" cy="501200"/>
-          </a:xfrm>
-          <a:prstGeom prst="straightConnector1">
-            <a:avLst/>
-          </a:prstGeom>
-          <a:ln>
-            <a:tailEnd type="triangle"/>
-          </a:ln>
-        </p:spPr>
-        <p:style>
-          <a:lnRef idx="1">
-            <a:schemeClr val="accent1"/>
-          </a:lnRef>
-          <a:fillRef idx="0">
-            <a:schemeClr val="accent1"/>
-          </a:fillRef>
-          <a:effectRef idx="0">
-            <a:schemeClr val="accent1"/>
-          </a:effectRef>
-          <a:fontRef idx="minor">
-            <a:schemeClr val="tx1"/>
-          </a:fontRef>
-        </p:style>
-      </p:cxnSp>
-      <p:cxnSp>
-        <p:nvCxnSpPr>
-          <p:cNvPr id="103" name="Straight Arrow Connector 102">
-            <a:extLst>
-              <a:ext uri="{FF2B5EF4-FFF2-40B4-BE49-F238E27FC236}">
-                <a16:creationId xmlns:a16="http://schemas.microsoft.com/office/drawing/2014/main" id="{2E2C2B13-5448-4B3C-A86E-53BE82B80971}"/>
-              </a:ext>
-            </a:extLst>
-          </p:cNvPr>
-          <p:cNvCxnSpPr>
-            <a:cxnSpLocks/>
-          </p:cNvCxnSpPr>
-          <p:nvPr/>
-        </p:nvCxnSpPr>
-        <p:spPr>
-          <a:xfrm>
-            <a:off x="-4179944" y="3771765"/>
-            <a:ext cx="523873" cy="1255557"/>
-          </a:xfrm>
-          <a:prstGeom prst="straightConnector1">
-            <a:avLst/>
-          </a:prstGeom>
-          <a:ln>
-            <a:tailEnd type="triangle"/>
-          </a:ln>
-        </p:spPr>
-        <p:style>
-          <a:lnRef idx="1">
-            <a:schemeClr val="accent1"/>
-          </a:lnRef>
-          <a:fillRef idx="0">
-            <a:schemeClr val="accent1"/>
-          </a:fillRef>
-          <a:effectRef idx="0">
-            <a:schemeClr val="accent1"/>
-          </a:effectRef>
-          <a:fontRef idx="minor">
-            <a:schemeClr val="tx1"/>
-          </a:fontRef>
-        </p:style>
-      </p:cxnSp>
       <p:sp>
         <p:nvSpPr>
           <p:cNvPr id="77" name="TextBox 76">
@@ -5347,7 +4971,7 @@
         </p:nvSpPr>
         <p:spPr>
           <a:xfrm>
-            <a:off x="170977" y="1417541"/>
+            <a:off x="285407" y="1417829"/>
             <a:ext cx="1301555" cy="461665"/>
           </a:xfrm>
           <a:prstGeom prst="rect">
@@ -5384,136 +5008,6 @@
       </p:sp>
       <p:sp>
         <p:nvSpPr>
-          <p:cNvPr id="81" name="Oval 80">
-            <a:extLst>
-              <a:ext uri="{FF2B5EF4-FFF2-40B4-BE49-F238E27FC236}">
-                <a16:creationId xmlns:a16="http://schemas.microsoft.com/office/drawing/2014/main" id="{BAF1008E-21E0-4386-975B-F1AD72554B4A}"/>
-              </a:ext>
-            </a:extLst>
-          </p:cNvPr>
-          <p:cNvSpPr/>
-          <p:nvPr/>
-        </p:nvSpPr>
-        <p:spPr>
-          <a:xfrm rot="4518406">
-            <a:off x="-9000986" y="2406694"/>
-            <a:ext cx="3371045" cy="660675"/>
-          </a:xfrm>
-          <a:prstGeom prst="ellipse">
-            <a:avLst/>
-          </a:prstGeom>
-          <a:noFill/>
-        </p:spPr>
-        <p:style>
-          <a:lnRef idx="2">
-            <a:schemeClr val="accent1">
-              <a:shade val="50000"/>
-            </a:schemeClr>
-          </a:lnRef>
-          <a:fillRef idx="1">
-            <a:schemeClr val="accent1"/>
-          </a:fillRef>
-          <a:effectRef idx="0">
-            <a:schemeClr val="accent1"/>
-          </a:effectRef>
-          <a:fontRef idx="minor">
-            <a:schemeClr val="lt1"/>
-          </a:fontRef>
-        </p:style>
-        <p:txBody>
-          <a:bodyPr rtlCol="0" anchor="ctr"/>
-          <a:lstStyle/>
-          <a:p>
-            <a:pPr algn="ctr"/>
-            <a:endParaRPr lang="en-GB"/>
-          </a:p>
-        </p:txBody>
-      </p:sp>
-      <p:cxnSp>
-        <p:nvCxnSpPr>
-          <p:cNvPr id="82" name="Straight Arrow Connector 81">
-            <a:extLst>
-              <a:ext uri="{FF2B5EF4-FFF2-40B4-BE49-F238E27FC236}">
-                <a16:creationId xmlns:a16="http://schemas.microsoft.com/office/drawing/2014/main" id="{EEFDDD04-943C-4804-A456-0C8F660C6BB6}"/>
-              </a:ext>
-            </a:extLst>
-          </p:cNvPr>
-          <p:cNvCxnSpPr>
-            <a:cxnSpLocks/>
-          </p:cNvCxnSpPr>
-          <p:nvPr/>
-        </p:nvCxnSpPr>
-        <p:spPr>
-          <a:xfrm flipH="1">
-            <a:off x="-6947502" y="628961"/>
-            <a:ext cx="2731781" cy="2062595"/>
-          </a:xfrm>
-          <a:prstGeom prst="straightConnector1">
-            <a:avLst/>
-          </a:prstGeom>
-          <a:ln>
-            <a:headEnd type="triangle" w="med" len="med"/>
-            <a:tailEnd type="none" w="med" len="med"/>
-          </a:ln>
-        </p:spPr>
-        <p:style>
-          <a:lnRef idx="1">
-            <a:schemeClr val="accent1"/>
-          </a:lnRef>
-          <a:fillRef idx="0">
-            <a:schemeClr val="accent1"/>
-          </a:fillRef>
-          <a:effectRef idx="0">
-            <a:schemeClr val="accent1"/>
-          </a:effectRef>
-          <a:fontRef idx="minor">
-            <a:schemeClr val="tx1"/>
-          </a:fontRef>
-        </p:style>
-      </p:cxnSp>
-      <p:cxnSp>
-        <p:nvCxnSpPr>
-          <p:cNvPr id="83" name="Straight Arrow Connector 82">
-            <a:extLst>
-              <a:ext uri="{FF2B5EF4-FFF2-40B4-BE49-F238E27FC236}">
-                <a16:creationId xmlns:a16="http://schemas.microsoft.com/office/drawing/2014/main" id="{CB4299EC-35C6-4649-99A7-01D1AC348A89}"/>
-              </a:ext>
-            </a:extLst>
-          </p:cNvPr>
-          <p:cNvCxnSpPr>
-            <a:cxnSpLocks/>
-          </p:cNvCxnSpPr>
-          <p:nvPr/>
-        </p:nvCxnSpPr>
-        <p:spPr>
-          <a:xfrm>
-            <a:off x="19613750" y="-687646"/>
-            <a:ext cx="1530530" cy="1316607"/>
-          </a:xfrm>
-          <a:prstGeom prst="straightConnector1">
-            <a:avLst/>
-          </a:prstGeom>
-          <a:ln>
-            <a:tailEnd type="triangle"/>
-          </a:ln>
-        </p:spPr>
-        <p:style>
-          <a:lnRef idx="1">
-            <a:schemeClr val="accent1"/>
-          </a:lnRef>
-          <a:fillRef idx="0">
-            <a:schemeClr val="accent1"/>
-          </a:fillRef>
-          <a:effectRef idx="0">
-            <a:schemeClr val="accent1"/>
-          </a:effectRef>
-          <a:fontRef idx="minor">
-            <a:schemeClr val="tx1"/>
-          </a:fontRef>
-        </p:style>
-      </p:cxnSp>
-      <p:sp>
-        <p:nvSpPr>
           <p:cNvPr id="89" name="TextBox 88">
             <a:extLst>
               <a:ext uri="{FF2B5EF4-FFF2-40B4-BE49-F238E27FC236}">
@@ -5526,7 +5020,7 @@
         </p:nvSpPr>
         <p:spPr>
           <a:xfrm>
-            <a:off x="2270000" y="2881298"/>
+            <a:off x="2333659" y="2929423"/>
             <a:ext cx="844934" cy="469231"/>
           </a:xfrm>
           <a:prstGeom prst="rect">
@@ -5546,15 +5040,33 @@
           <a:p>
             <a:pPr algn="ctr"/>
             <a:r>
-              <a:rPr lang="en-GB" sz="2400" dirty="0"/>
+              <a:rPr lang="en-GB" sz="2400" dirty="0">
+                <a:solidFill>
+                  <a:schemeClr val="bg1">
+                    <a:lumMod val="50000"/>
+                  </a:schemeClr>
+                </a:solidFill>
+              </a:rPr>
               <a:t>𝜏(</a:t>
             </a:r>
             <a:r>
-              <a:rPr lang="en-GB" sz="2400" b="1" dirty="0"/>
+              <a:rPr lang="en-GB" sz="2400" b="1" dirty="0">
+                <a:solidFill>
+                  <a:schemeClr val="bg1">
+                    <a:lumMod val="50000"/>
+                  </a:schemeClr>
+                </a:solidFill>
+              </a:rPr>
               <a:t>X</a:t>
             </a:r>
             <a:r>
-              <a:rPr lang="en-GB" sz="2400" dirty="0"/>
+              <a:rPr lang="en-GB" sz="2400" dirty="0">
+                <a:solidFill>
+                  <a:schemeClr val="bg1">
+                    <a:lumMod val="50000"/>
+                  </a:schemeClr>
+                </a:solidFill>
+              </a:rPr>
               <a:t>)</a:t>
             </a:r>
           </a:p>
@@ -5574,8 +5086,8 @@
         </p:nvSpPr>
         <p:spPr>
           <a:xfrm>
-            <a:off x="12600759" y="3392546"/>
-            <a:ext cx="3553560" cy="923330"/>
+            <a:off x="11866234" y="3717253"/>
+            <a:ext cx="2656136" cy="1200329"/>
           </a:xfrm>
           <a:prstGeom prst="rect">
             <a:avLst/>
@@ -5602,264 +5114,76 @@
             </a:r>
             <a:r>
               <a:rPr lang="en-GB" dirty="0"/>
-              <a:t> distribution: </a:t>
-            </a:r>
-            <a:r>
-              <a:rPr lang="en-GB" u="dash" dirty="0"/>
-              <a:t>where 𝜏 simulations intercept 𝜏=1</a:t>
-            </a:r>
-            <a:r>
-              <a:rPr lang="en-GB" dirty="0"/>
-              <a:t>, obtain point estimate &amp; CI</a:t>
-            </a:r>
-          </a:p>
-        </p:txBody>
-      </p:sp>
-      <p:cxnSp>
-        <p:nvCxnSpPr>
-          <p:cNvPr id="107" name="Straight Arrow Connector 106">
+              <a:t> </a:t>
+            </a:r>
+            <a:r>
+              <a:rPr lang="en-GB" dirty="0">
+                <a:solidFill>
+                  <a:schemeClr val="bg1">
+                    <a:lumMod val="50000"/>
+                  </a:schemeClr>
+                </a:solidFill>
+              </a:rPr>
+              <a:t>distribution: </a:t>
+            </a:r>
+          </a:p>
+          <a:p>
+            <a:pPr algn="r"/>
+            <a:r>
+              <a:rPr lang="en-GB" u="dash" dirty="0">
+                <a:solidFill>
+                  <a:schemeClr val="bg1">
+                    <a:lumMod val="50000"/>
+                  </a:schemeClr>
+                </a:solidFill>
+              </a:rPr>
+              <a:t>where 𝜏 simulations </a:t>
+            </a:r>
+          </a:p>
+          <a:p>
+            <a:pPr algn="r"/>
+            <a:r>
+              <a:rPr lang="en-GB" u="dash" dirty="0">
+                <a:solidFill>
+                  <a:schemeClr val="bg1">
+                    <a:lumMod val="50000"/>
+                  </a:schemeClr>
+                </a:solidFill>
+              </a:rPr>
+              <a:t>intercept 𝜏=1</a:t>
+            </a:r>
+            <a:r>
+              <a:rPr lang="en-GB" dirty="0">
+                <a:solidFill>
+                  <a:schemeClr val="bg1">
+                    <a:lumMod val="50000"/>
+                  </a:schemeClr>
+                </a:solidFill>
+              </a:rPr>
+              <a:t>, </a:t>
+            </a:r>
+          </a:p>
+          <a:p>
+            <a:pPr algn="r"/>
+            <a:r>
+              <a:rPr lang="en-GB" dirty="0">
+                <a:solidFill>
+                  <a:schemeClr val="bg1">
+                    <a:lumMod val="50000"/>
+                  </a:schemeClr>
+                </a:solidFill>
+              </a:rPr>
+              <a:t>obtain point estimate &amp; CI</a:t>
+            </a:r>
+          </a:p>
+        </p:txBody>
+      </p:sp>
+      <p:pic>
+        <p:nvPicPr>
+          <p:cNvPr id="52" name="Picture 51" descr="A close up of a map&#10;&#10;Description automatically generated">
             <a:extLst>
               <a:ext uri="{FF2B5EF4-FFF2-40B4-BE49-F238E27FC236}">
-                <a16:creationId xmlns:a16="http://schemas.microsoft.com/office/drawing/2014/main" id="{54EBC517-73DE-4457-9D0F-18BED9E38882}"/>
-              </a:ext>
-            </a:extLst>
-          </p:cNvPr>
-          <p:cNvCxnSpPr>
-            <a:cxnSpLocks/>
-            <a:stCxn id="100" idx="0"/>
-          </p:cNvCxnSpPr>
-          <p:nvPr/>
-        </p:nvCxnSpPr>
-        <p:spPr>
-          <a:xfrm flipH="1" flipV="1">
-            <a:off x="13648581" y="1533990"/>
-            <a:ext cx="728958" cy="1858556"/>
-          </a:xfrm>
-          <a:prstGeom prst="straightConnector1">
-            <a:avLst/>
-          </a:prstGeom>
-          <a:ln>
-            <a:tailEnd type="triangle"/>
-          </a:ln>
-        </p:spPr>
-        <p:style>
-          <a:lnRef idx="1">
-            <a:schemeClr val="accent1"/>
-          </a:lnRef>
-          <a:fillRef idx="0">
-            <a:schemeClr val="accent1"/>
-          </a:fillRef>
-          <a:effectRef idx="0">
-            <a:schemeClr val="accent1"/>
-          </a:effectRef>
-          <a:fontRef idx="minor">
-            <a:schemeClr val="tx1"/>
-          </a:fontRef>
-        </p:style>
-      </p:cxnSp>
-      <p:sp>
-        <p:nvSpPr>
-          <p:cNvPr id="110" name="TextBox 109">
-            <a:extLst>
-              <a:ext uri="{FF2B5EF4-FFF2-40B4-BE49-F238E27FC236}">
-                <a16:creationId xmlns:a16="http://schemas.microsoft.com/office/drawing/2014/main" id="{81163330-EC06-4487-9ABA-F9F17017B2C7}"/>
-              </a:ext>
-            </a:extLst>
-          </p:cNvPr>
-          <p:cNvSpPr txBox="1"/>
-          <p:nvPr/>
-        </p:nvSpPr>
-        <p:spPr>
-          <a:xfrm>
-            <a:off x="-8617829" y="2552940"/>
-            <a:ext cx="706579" cy="369332"/>
-          </a:xfrm>
-          <a:prstGeom prst="rect">
-            <a:avLst/>
-          </a:prstGeom>
-          <a:noFill/>
-          <a:ln>
-            <a:noFill/>
-            <a:prstDash val="dash"/>
-          </a:ln>
-        </p:spPr>
-        <p:txBody>
-          <a:bodyPr wrap="square" rtlCol="0">
-            <a:spAutoFit/>
-          </a:bodyPr>
-          <a:lstStyle/>
-          <a:p>
-            <a:pPr algn="ctr"/>
-            <a:r>
-              <a:rPr lang="en-GB" dirty="0"/>
-              <a:t>𝜏(</a:t>
-            </a:r>
-            <a:r>
-              <a:rPr lang="en-GB" b="1" dirty="0"/>
-              <a:t>X</a:t>
-            </a:r>
-            <a:r>
-              <a:rPr lang="en-GB" dirty="0"/>
-              <a:t>)</a:t>
-            </a:r>
-          </a:p>
-        </p:txBody>
-      </p:sp>
-      <p:sp>
-        <p:nvSpPr>
-          <p:cNvPr id="113" name="TextBox 112">
-            <a:extLst>
-              <a:ext uri="{FF2B5EF4-FFF2-40B4-BE49-F238E27FC236}">
-                <a16:creationId xmlns:a16="http://schemas.microsoft.com/office/drawing/2014/main" id="{E3CF0E14-D7FC-4ECF-AD03-67CC46BAE485}"/>
-              </a:ext>
-            </a:extLst>
-          </p:cNvPr>
-          <p:cNvSpPr txBox="1"/>
-          <p:nvPr/>
-        </p:nvSpPr>
-        <p:spPr>
-          <a:xfrm>
-            <a:off x="-9134030" y="4284148"/>
-            <a:ext cx="1153398" cy="369332"/>
-          </a:xfrm>
-          <a:prstGeom prst="rect">
-            <a:avLst/>
-          </a:prstGeom>
-          <a:noFill/>
-          <a:ln>
-            <a:noFill/>
-            <a:prstDash val="dash"/>
-          </a:ln>
-        </p:spPr>
-        <p:txBody>
-          <a:bodyPr wrap="square" rtlCol="0">
-            <a:spAutoFit/>
-          </a:bodyPr>
-          <a:lstStyle/>
-          <a:p>
-            <a:pPr algn="ctr"/>
-            <a:r>
-              <a:rPr lang="en-GB" dirty="0"/>
-              <a:t>𝜏(</a:t>
-            </a:r>
-            <a:r>
-              <a:rPr lang="en-GB" i="1" dirty="0"/>
-              <a:t>t</a:t>
-            </a:r>
-            <a:r>
-              <a:rPr lang="en-GB" dirty="0"/>
-              <a:t>-p </a:t>
-            </a:r>
-            <a:r>
-              <a:rPr lang="en-GB" b="1" dirty="0"/>
-              <a:t>X</a:t>
-            </a:r>
-            <a:r>
-              <a:rPr lang="en-GB" dirty="0"/>
-              <a:t>)</a:t>
-            </a:r>
-          </a:p>
-        </p:txBody>
-      </p:sp>
-      <p:sp>
-        <p:nvSpPr>
-          <p:cNvPr id="121" name="Left Brace 120">
-            <a:extLst>
-              <a:ext uri="{FF2B5EF4-FFF2-40B4-BE49-F238E27FC236}">
-                <a16:creationId xmlns:a16="http://schemas.microsoft.com/office/drawing/2014/main" id="{A65505C4-90EF-4034-8FD1-844D4EEA41F5}"/>
-              </a:ext>
-            </a:extLst>
-          </p:cNvPr>
-          <p:cNvSpPr/>
-          <p:nvPr/>
-        </p:nvSpPr>
-        <p:spPr>
-          <a:xfrm>
-            <a:off x="-7973604" y="3955736"/>
-            <a:ext cx="191570" cy="1187700"/>
-          </a:xfrm>
-          <a:prstGeom prst="leftBrace">
-            <a:avLst/>
-          </a:prstGeom>
-          <a:ln w="28575">
-            <a:solidFill>
-              <a:schemeClr val="bg1">
-                <a:lumMod val="75000"/>
-              </a:schemeClr>
-            </a:solidFill>
-          </a:ln>
-        </p:spPr>
-        <p:style>
-          <a:lnRef idx="1">
-            <a:schemeClr val="accent1"/>
-          </a:lnRef>
-          <a:fillRef idx="0">
-            <a:schemeClr val="accent1"/>
-          </a:fillRef>
-          <a:effectRef idx="0">
-            <a:schemeClr val="accent1"/>
-          </a:effectRef>
-          <a:fontRef idx="minor">
-            <a:schemeClr val="tx1"/>
-          </a:fontRef>
-        </p:style>
-        <p:txBody>
-          <a:bodyPr rtlCol="0" anchor="ctr"/>
-          <a:lstStyle/>
-          <a:p>
-            <a:pPr algn="ctr"/>
-            <a:endParaRPr lang="en-GB"/>
-          </a:p>
-        </p:txBody>
-      </p:sp>
-      <p:cxnSp>
-        <p:nvCxnSpPr>
-          <p:cNvPr id="126" name="Straight Arrow Connector 125">
-            <a:extLst>
-              <a:ext uri="{FF2B5EF4-FFF2-40B4-BE49-F238E27FC236}">
-                <a16:creationId xmlns:a16="http://schemas.microsoft.com/office/drawing/2014/main" id="{B9BECF7A-6324-4DF9-8F72-7EFEEBDAB886}"/>
-              </a:ext>
-            </a:extLst>
-          </p:cNvPr>
-          <p:cNvCxnSpPr>
-            <a:cxnSpLocks/>
-          </p:cNvCxnSpPr>
-          <p:nvPr/>
-        </p:nvCxnSpPr>
-        <p:spPr>
-          <a:xfrm flipH="1">
-            <a:off x="-7993877" y="2637884"/>
-            <a:ext cx="451192" cy="205427"/>
-          </a:xfrm>
-          <a:prstGeom prst="straightConnector1">
-            <a:avLst/>
-          </a:prstGeom>
-          <a:ln>
-            <a:headEnd type="triangle" w="med" len="med"/>
-            <a:tailEnd type="none" w="med" len="med"/>
-          </a:ln>
-        </p:spPr>
-        <p:style>
-          <a:lnRef idx="1">
-            <a:schemeClr val="accent1"/>
-          </a:lnRef>
-          <a:fillRef idx="0">
-            <a:schemeClr val="accent1"/>
-          </a:fillRef>
-          <a:effectRef idx="0">
-            <a:schemeClr val="accent1"/>
-          </a:effectRef>
-          <a:fontRef idx="minor">
-            <a:schemeClr val="tx1"/>
-          </a:fontRef>
-        </p:style>
-      </p:cxnSp>
-      <p:pic>
-        <p:nvPicPr>
-          <p:cNvPr id="49" name="Picture 48" descr="A screenshot of a cell phone&#10;&#10;Description automatically generated">
-            <a:extLst>
-              <a:ext uri="{FF2B5EF4-FFF2-40B4-BE49-F238E27FC236}">
-                <a16:creationId xmlns:a16="http://schemas.microsoft.com/office/drawing/2014/main" id="{2FEB0F03-6063-4E31-A342-5449452DEB28}"/>
+                <a16:creationId xmlns:a16="http://schemas.microsoft.com/office/drawing/2014/main" id="{DDADD3E7-E41F-4FCF-B997-A5BF2277C337}"/>
               </a:ext>
             </a:extLst>
           </p:cNvPr>
@@ -5876,47 +5200,12 @@
               </a:ext>
             </a:extLst>
           </a:blip>
-          <a:srcRect l="3500" t="5630" r="3639" b="2965"/>
-          <a:stretch/>
-        </p:blipFill>
-        <p:spPr>
-          <a:xfrm>
-            <a:off x="5818886" y="3405599"/>
-            <a:ext cx="3701789" cy="3643760"/>
-          </a:xfrm>
-          <a:prstGeom prst="rect">
-            <a:avLst/>
-          </a:prstGeom>
-        </p:spPr>
-      </p:pic>
-      <p:pic>
-        <p:nvPicPr>
-          <p:cNvPr id="52" name="Picture 51" descr="A close up of a map&#10;&#10;Description automatically generated">
-            <a:extLst>
-              <a:ext uri="{FF2B5EF4-FFF2-40B4-BE49-F238E27FC236}">
-                <a16:creationId xmlns:a16="http://schemas.microsoft.com/office/drawing/2014/main" id="{DDADD3E7-E41F-4FCF-B997-A5BF2277C337}"/>
-              </a:ext>
-            </a:extLst>
-          </p:cNvPr>
-          <p:cNvPicPr>
-            <a:picLocks noChangeAspect="1"/>
-          </p:cNvPicPr>
-          <p:nvPr/>
-        </p:nvPicPr>
-        <p:blipFill rotWithShape="1">
-          <a:blip r:embed="rId3">
-            <a:extLst>
-              <a:ext uri="{28A0092B-C50C-407E-A947-70E740481C1C}">
-                <a14:useLocalDpi xmlns:a14="http://schemas.microsoft.com/office/drawing/2010/main" val="0"/>
-              </a:ext>
-            </a:extLst>
-          </a:blip>
           <a:srcRect l="3316" t="10121" r="2226" b="2857"/>
           <a:stretch/>
         </p:blipFill>
         <p:spPr>
           <a:xfrm>
-            <a:off x="13938599" y="152749"/>
+            <a:off x="14098504" y="70504"/>
             <a:ext cx="3701789" cy="3410395"/>
           </a:xfrm>
           <a:prstGeom prst="rect">
@@ -5939,7 +5228,7 @@
           <p:nvPr/>
         </p:nvPicPr>
         <p:blipFill rotWithShape="1">
-          <a:blip r:embed="rId4">
+          <a:blip r:embed="rId3">
             <a:extLst>
               <a:ext uri="{28A0092B-C50C-407E-A947-70E740481C1C}">
                 <a14:useLocalDpi xmlns:a14="http://schemas.microsoft.com/office/drawing/2010/main" val="0"/>
@@ -5951,7 +5240,7 @@
         </p:blipFill>
         <p:spPr>
           <a:xfrm>
-            <a:off x="0" y="3612348"/>
+            <a:off x="76839" y="3612348"/>
             <a:ext cx="3701789" cy="3428381"/>
           </a:xfrm>
           <a:prstGeom prst="rect">
@@ -5973,8 +5262,8 @@
         </p:nvGrpSpPr>
         <p:grpSpPr>
           <a:xfrm>
-            <a:off x="14915137" y="4551248"/>
-            <a:ext cx="2619739" cy="2489481"/>
+            <a:off x="14996923" y="4512201"/>
+            <a:ext cx="2291071" cy="2177155"/>
             <a:chOff x="-8696558" y="-3190314"/>
             <a:chExt cx="6495977" cy="6172987"/>
           </a:xfrm>
@@ -5994,7 +5283,7 @@
             <p:nvPr/>
           </p:nvPicPr>
           <p:blipFill rotWithShape="1">
-            <a:blip r:embed="rId5">
+            <a:blip r:embed="rId4">
               <a:extLst>
                 <a:ext uri="{28A0092B-C50C-407E-A947-70E740481C1C}">
                   <a14:useLocalDpi xmlns:a14="http://schemas.microsoft.com/office/drawing/2010/main" val="0"/>
@@ -6071,9 +5360,9 @@
           <p:nvPr/>
         </p:nvSpPr>
         <p:spPr>
-          <a:xfrm rot="19484622">
-            <a:off x="3036120" y="2565483"/>
-            <a:ext cx="2257850" cy="242689"/>
+          <a:xfrm>
+            <a:off x="3549168" y="1744055"/>
+            <a:ext cx="1554144" cy="242689"/>
           </a:xfrm>
           <a:prstGeom prst="rightArrow">
             <a:avLst/>
@@ -6117,9 +5406,9 @@
           <p:nvPr/>
         </p:nvSpPr>
         <p:spPr>
-          <a:xfrm rot="19443193">
-            <a:off x="3067880" y="2888084"/>
-            <a:ext cx="2978778" cy="646331"/>
+          <a:xfrm>
+            <a:off x="3397629" y="1986744"/>
+            <a:ext cx="2035568" cy="646331"/>
           </a:xfrm>
           <a:prstGeom prst="rect">
             <a:avLst/>
@@ -6138,20 +5427,84 @@
           <a:p>
             <a:pPr algn="ctr"/>
             <a:r>
+              <a:rPr lang="en-GB" dirty="0">
+                <a:solidFill>
+                  <a:schemeClr val="bg1">
+                    <a:lumMod val="50000"/>
+                  </a:schemeClr>
+                </a:solidFill>
+              </a:rPr>
+              <a:t>(</a:t>
+            </a:r>
+            <a:r>
+              <a:rPr lang="en-GB" i="1" dirty="0">
+                <a:solidFill>
+                  <a:schemeClr val="bg1"/>
+                </a:solidFill>
+                <a:highlight>
+                  <a:srgbClr val="808080"/>
+                </a:highlight>
+              </a:rPr>
+              <a:t>t-</a:t>
+            </a:r>
+            <a:r>
+              <a:rPr lang="en-GB" dirty="0">
+                <a:solidFill>
+                  <a:schemeClr val="bg1"/>
+                </a:solidFill>
+                <a:highlight>
+                  <a:srgbClr val="808080"/>
+                </a:highlight>
+              </a:rPr>
+              <a:t>permuted</a:t>
+            </a:r>
+            <a:r>
+              <a:rPr lang="en-GB" dirty="0">
+                <a:solidFill>
+                  <a:schemeClr val="bg1">
+                    <a:lumMod val="50000"/>
+                  </a:schemeClr>
+                </a:solidFill>
+              </a:rPr>
+              <a:t> </a:t>
+            </a:r>
+            <a:r>
+              <a:rPr lang="en-GB" b="1" dirty="0">
+                <a:solidFill>
+                  <a:schemeClr val="bg1">
+                    <a:lumMod val="50000"/>
+                  </a:schemeClr>
+                </a:solidFill>
+              </a:rPr>
+              <a:t>X</a:t>
+            </a:r>
+            <a:r>
+              <a:rPr lang="en-GB" dirty="0">
+                <a:solidFill>
+                  <a:schemeClr val="bg1">
+                    <a:lumMod val="50000"/>
+                  </a:schemeClr>
+                </a:solidFill>
+              </a:rPr>
+              <a:t>) </a:t>
+            </a:r>
+          </a:p>
+          <a:p>
+            <a:pPr algn="ctr"/>
+            <a:r>
+              <a:rPr lang="en-GB" dirty="0">
+                <a:solidFill>
+                  <a:schemeClr val="bg1">
+                    <a:lumMod val="50000"/>
+                  </a:schemeClr>
+                </a:solidFill>
+              </a:rPr>
+              <a:t>simulations</a:t>
+            </a:r>
+            <a:r>
               <a:rPr lang="en-GB" dirty="0"/>
-              <a:t>𝜏(</a:t>
-            </a:r>
-            <a:r>
-              <a:rPr lang="en-GB" b="1" dirty="0"/>
-              <a:t>X</a:t>
-            </a:r>
-            <a:r>
-              <a:rPr lang="en-GB" dirty="0"/>
-              <a:t>) &amp; </a:t>
-            </a:r>
-          </a:p>
-          <a:p>
-            <a:pPr algn="ctr"/>
+              <a:t> </a:t>
+            </a:r>
             <a:r>
               <a:rPr lang="en-GB" dirty="0">
                 <a:solidFill>
@@ -6164,71 +5517,42 @@
               <a:t>𝜏</a:t>
             </a:r>
             <a:r>
-              <a:rPr lang="en-GB" dirty="0"/>
-              <a:t>(</a:t>
-            </a:r>
-            <a:r>
-              <a:rPr lang="en-GB" i="1" dirty="0"/>
-              <a:t>t-</a:t>
-            </a:r>
-            <a:r>
-              <a:rPr lang="en-GB" dirty="0"/>
-              <a:t>permuted </a:t>
-            </a:r>
-            <a:r>
-              <a:rPr lang="en-GB" b="1" dirty="0"/>
+              <a:rPr lang="en-GB" dirty="0">
+                <a:solidFill>
+                  <a:schemeClr val="bg1"/>
+                </a:solidFill>
+              </a:rPr>
+              <a:t> </a:t>
+            </a:r>
+            <a:r>
+              <a:rPr lang="en-GB" dirty="0">
+                <a:solidFill>
+                  <a:schemeClr val="bg1">
+                    <a:lumMod val="50000"/>
+                  </a:schemeClr>
+                </a:solidFill>
+              </a:rPr>
+              <a:t>&amp; 𝜏(</a:t>
+            </a:r>
+            <a:r>
+              <a:rPr lang="en-GB" b="1" dirty="0">
+                <a:solidFill>
+                  <a:schemeClr val="bg1">
+                    <a:lumMod val="50000"/>
+                  </a:schemeClr>
+                </a:solidFill>
+              </a:rPr>
               <a:t>X</a:t>
             </a:r>
             <a:r>
-              <a:rPr lang="en-GB" dirty="0"/>
-              <a:t>) simulations</a:t>
-            </a:r>
-          </a:p>
-        </p:txBody>
-      </p:sp>
-      <p:sp>
-        <p:nvSpPr>
-          <p:cNvPr id="2" name="TextBox 1">
-            <a:extLst>
-              <a:ext uri="{FF2B5EF4-FFF2-40B4-BE49-F238E27FC236}">
-                <a16:creationId xmlns:a16="http://schemas.microsoft.com/office/drawing/2014/main" id="{F0FB44AE-9916-4C68-BB9F-62ED394917FD}"/>
-              </a:ext>
-            </a:extLst>
-          </p:cNvPr>
-          <p:cNvSpPr txBox="1"/>
-          <p:nvPr/>
-        </p:nvSpPr>
-        <p:spPr>
-          <a:xfrm>
-            <a:off x="7109356" y="4192508"/>
-            <a:ext cx="2887177" cy="646331"/>
-          </a:xfrm>
-          <a:prstGeom prst="rect">
-            <a:avLst/>
-          </a:prstGeom>
-          <a:noFill/>
-        </p:spPr>
-        <p:txBody>
-          <a:bodyPr wrap="square" rtlCol="0">
-            <a:spAutoFit/>
-          </a:bodyPr>
-          <a:lstStyle/>
-          <a:p>
-            <a:r>
-              <a:rPr lang="en-GB" u="dash" dirty="0"/>
-              <a:t>global envelope test</a:t>
-            </a:r>
-            <a:r>
-              <a:rPr lang="en-GB" dirty="0"/>
-              <a:t>: evidence vs. H</a:t>
-            </a:r>
-            <a:r>
-              <a:rPr lang="en-GB" baseline="-25000" dirty="0"/>
-              <a:t>0</a:t>
-            </a:r>
-            <a:r>
-              <a:rPr lang="en-GB" dirty="0"/>
-              <a:t>: 𝜏=1</a:t>
+              <a:rPr lang="en-GB" dirty="0">
+                <a:solidFill>
+                  <a:schemeClr val="bg1">
+                    <a:lumMod val="50000"/>
+                  </a:schemeClr>
+                </a:solidFill>
+              </a:rPr>
+              <a:t>)</a:t>
             </a:r>
           </a:p>
         </p:txBody>
@@ -6248,9 +5572,9 @@
         <p:grpSpPr>
           <a:xfrm>
             <a:off x="1244919" y="3480899"/>
-            <a:ext cx="4564306" cy="1660285"/>
+            <a:ext cx="3547069" cy="1326794"/>
             <a:chOff x="-1535838" y="383366"/>
-            <a:chExt cx="4392471" cy="1597780"/>
+            <a:chExt cx="3413530" cy="1276844"/>
           </a:xfrm>
         </p:grpSpPr>
         <p:sp>
@@ -6289,7 +5613,7 @@
               <a:pPr algn="ctr"/>
               <a:r>
                 <a:rPr lang="en-GB" sz="2400" dirty="0"/>
-                <a:t>A.) Diagnostic</a:t>
+                <a:t>A) Diagnostic</a:t>
               </a:r>
             </a:p>
           </p:txBody>
@@ -6308,8 +5632,8 @@
           </p:nvSpPr>
           <p:spPr>
             <a:xfrm>
-              <a:off x="-1535838" y="804162"/>
-              <a:ext cx="4392471" cy="1176984"/>
+              <a:off x="-1128942" y="771641"/>
+              <a:ext cx="3006634" cy="888569"/>
             </a:xfrm>
             <a:prstGeom prst="rect">
               <a:avLst/>
@@ -6323,7 +5647,7 @@
             <a:lstStyle/>
             <a:p>
               <a:r>
-                <a:rPr lang="en-GB" sz="2400" dirty="0">
+                <a:rPr lang="en-GB" dirty="0">
                   <a:solidFill>
                     <a:schemeClr val="bg1">
                       <a:lumMod val="50000"/>
@@ -6335,7 +5659,7 @@
             </a:p>
             <a:p>
               <a:r>
-                <a:rPr lang="en-GB" sz="2400" dirty="0">
+                <a:rPr lang="en-GB" dirty="0">
                   <a:solidFill>
                     <a:schemeClr val="bg1">
                       <a:lumMod val="50000"/>
@@ -6347,7 +5671,7 @@
             </a:p>
             <a:p>
               <a:r>
-                <a:rPr lang="en-GB" sz="2400" dirty="0">
+                <a:rPr lang="en-GB" dirty="0">
                   <a:solidFill>
                     <a:schemeClr val="bg1">
                       <a:lumMod val="50000"/>
@@ -6360,6 +5684,1101 @@
           </p:txBody>
         </p:sp>
       </p:grpSp>
+      <p:sp>
+        <p:nvSpPr>
+          <p:cNvPr id="55" name="TextBox 54">
+            <a:extLst>
+              <a:ext uri="{FF2B5EF4-FFF2-40B4-BE49-F238E27FC236}">
+                <a16:creationId xmlns:a16="http://schemas.microsoft.com/office/drawing/2014/main" id="{BE5FF93B-BCE5-4D7B-872A-D82221AE76EE}"/>
+              </a:ext>
+            </a:extLst>
+          </p:cNvPr>
+          <p:cNvSpPr txBox="1"/>
+          <p:nvPr/>
+        </p:nvSpPr>
+        <p:spPr>
+          <a:xfrm>
+            <a:off x="2508204" y="5164407"/>
+            <a:ext cx="1836850" cy="369332"/>
+          </a:xfrm>
+          <a:prstGeom prst="rect">
+            <a:avLst/>
+          </a:prstGeom>
+          <a:noFill/>
+        </p:spPr>
+        <p:txBody>
+          <a:bodyPr wrap="square" rtlCol="0">
+            <a:spAutoFit/>
+          </a:bodyPr>
+          <a:lstStyle/>
+          <a:p>
+            <a:r>
+              <a:rPr lang="en-GB" dirty="0">
+                <a:solidFill>
+                  <a:schemeClr val="bg1">
+                    <a:lumMod val="50000"/>
+                  </a:schemeClr>
+                </a:solidFill>
+              </a:rPr>
+              <a:t>pointwise </a:t>
+            </a:r>
+            <a:r>
+              <a:rPr lang="en-GB" u="dash" dirty="0">
+                <a:solidFill>
+                  <a:schemeClr val="bg1">
+                    <a:lumMod val="50000"/>
+                  </a:schemeClr>
+                </a:solidFill>
+              </a:rPr>
+              <a:t>BCa</a:t>
+            </a:r>
+            <a:r>
+              <a:rPr lang="en-GB" dirty="0">
+                <a:solidFill>
+                  <a:schemeClr val="bg1">
+                    <a:lumMod val="50000"/>
+                  </a:schemeClr>
+                </a:solidFill>
+              </a:rPr>
+              <a:t> CIs</a:t>
+            </a:r>
+          </a:p>
+        </p:txBody>
+      </p:sp>
+      <p:cxnSp>
+        <p:nvCxnSpPr>
+          <p:cNvPr id="61" name="Straight Arrow Connector 60">
+            <a:extLst>
+              <a:ext uri="{FF2B5EF4-FFF2-40B4-BE49-F238E27FC236}">
+                <a16:creationId xmlns:a16="http://schemas.microsoft.com/office/drawing/2014/main" id="{66B0D5B2-FF26-4BCD-8045-9A8A64DF0006}"/>
+              </a:ext>
+            </a:extLst>
+          </p:cNvPr>
+          <p:cNvCxnSpPr>
+            <a:cxnSpLocks/>
+            <a:stCxn id="55" idx="1"/>
+          </p:cNvCxnSpPr>
+          <p:nvPr/>
+        </p:nvCxnSpPr>
+        <p:spPr>
+          <a:xfrm flipH="1">
+            <a:off x="1828091" y="5349073"/>
+            <a:ext cx="680113" cy="251706"/>
+          </a:xfrm>
+          <a:prstGeom prst="straightConnector1">
+            <a:avLst/>
+          </a:prstGeom>
+          <a:ln>
+            <a:prstDash val="dash"/>
+            <a:tailEnd type="triangle"/>
+          </a:ln>
+        </p:spPr>
+        <p:style>
+          <a:lnRef idx="1">
+            <a:schemeClr val="accent1"/>
+          </a:lnRef>
+          <a:fillRef idx="0">
+            <a:schemeClr val="accent1"/>
+          </a:fillRef>
+          <a:effectRef idx="0">
+            <a:schemeClr val="accent1"/>
+          </a:effectRef>
+          <a:fontRef idx="minor">
+            <a:schemeClr val="tx1"/>
+          </a:fontRef>
+        </p:style>
+      </p:cxnSp>
+      <p:cxnSp>
+        <p:nvCxnSpPr>
+          <p:cNvPr id="91" name="Straight Arrow Connector 90">
+            <a:extLst>
+              <a:ext uri="{FF2B5EF4-FFF2-40B4-BE49-F238E27FC236}">
+                <a16:creationId xmlns:a16="http://schemas.microsoft.com/office/drawing/2014/main" id="{7C769ED0-A066-43D3-A95D-222532B5C19C}"/>
+              </a:ext>
+            </a:extLst>
+          </p:cNvPr>
+          <p:cNvCxnSpPr>
+            <a:cxnSpLocks/>
+            <a:stCxn id="55" idx="1"/>
+          </p:cNvCxnSpPr>
+          <p:nvPr/>
+        </p:nvCxnSpPr>
+        <p:spPr>
+          <a:xfrm flipH="1">
+            <a:off x="2040604" y="5349073"/>
+            <a:ext cx="467600" cy="369751"/>
+          </a:xfrm>
+          <a:prstGeom prst="straightConnector1">
+            <a:avLst/>
+          </a:prstGeom>
+          <a:ln>
+            <a:prstDash val="dash"/>
+            <a:tailEnd type="triangle"/>
+          </a:ln>
+        </p:spPr>
+        <p:style>
+          <a:lnRef idx="1">
+            <a:schemeClr val="accent1"/>
+          </a:lnRef>
+          <a:fillRef idx="0">
+            <a:schemeClr val="accent1"/>
+          </a:fillRef>
+          <a:effectRef idx="0">
+            <a:schemeClr val="accent1"/>
+          </a:effectRef>
+          <a:fontRef idx="minor">
+            <a:schemeClr val="tx1"/>
+          </a:fontRef>
+        </p:style>
+      </p:cxnSp>
+      <p:cxnSp>
+        <p:nvCxnSpPr>
+          <p:cNvPr id="92" name="Straight Arrow Connector 91">
+            <a:extLst>
+              <a:ext uri="{FF2B5EF4-FFF2-40B4-BE49-F238E27FC236}">
+                <a16:creationId xmlns:a16="http://schemas.microsoft.com/office/drawing/2014/main" id="{519AF7E0-4984-473C-B6E1-758B0B5C6874}"/>
+              </a:ext>
+            </a:extLst>
+          </p:cNvPr>
+          <p:cNvCxnSpPr>
+            <a:cxnSpLocks/>
+            <a:stCxn id="55" idx="1"/>
+          </p:cNvCxnSpPr>
+          <p:nvPr/>
+        </p:nvCxnSpPr>
+        <p:spPr>
+          <a:xfrm flipH="1">
+            <a:off x="2113926" y="5349073"/>
+            <a:ext cx="394278" cy="440742"/>
+          </a:xfrm>
+          <a:prstGeom prst="straightConnector1">
+            <a:avLst/>
+          </a:prstGeom>
+          <a:ln>
+            <a:prstDash val="dash"/>
+            <a:tailEnd type="triangle"/>
+          </a:ln>
+        </p:spPr>
+        <p:style>
+          <a:lnRef idx="1">
+            <a:schemeClr val="accent1"/>
+          </a:lnRef>
+          <a:fillRef idx="0">
+            <a:schemeClr val="accent1"/>
+          </a:fillRef>
+          <a:effectRef idx="0">
+            <a:schemeClr val="accent1"/>
+          </a:effectRef>
+          <a:fontRef idx="minor">
+            <a:schemeClr val="tx1"/>
+          </a:fontRef>
+        </p:style>
+      </p:cxnSp>
+      <p:grpSp>
+        <p:nvGrpSpPr>
+          <p:cNvPr id="109" name="Group 108">
+            <a:extLst>
+              <a:ext uri="{FF2B5EF4-FFF2-40B4-BE49-F238E27FC236}">
+                <a16:creationId xmlns:a16="http://schemas.microsoft.com/office/drawing/2014/main" id="{ABE7A018-81CF-4032-A6C5-1F528BE0ADF5}"/>
+              </a:ext>
+            </a:extLst>
+          </p:cNvPr>
+          <p:cNvGrpSpPr/>
+          <p:nvPr/>
+        </p:nvGrpSpPr>
+        <p:grpSpPr>
+          <a:xfrm>
+            <a:off x="6265538" y="3480407"/>
+            <a:ext cx="4261329" cy="3643760"/>
+            <a:chOff x="5543645" y="3480407"/>
+            <a:chExt cx="4261329" cy="3643760"/>
+          </a:xfrm>
+        </p:grpSpPr>
+        <p:sp>
+          <p:nvSpPr>
+            <p:cNvPr id="113" name="TextBox 112">
+              <a:extLst>
+                <a:ext uri="{FF2B5EF4-FFF2-40B4-BE49-F238E27FC236}">
+                  <a16:creationId xmlns:a16="http://schemas.microsoft.com/office/drawing/2014/main" id="{E3CF0E14-D7FC-4ECF-AD03-67CC46BAE485}"/>
+                </a:ext>
+              </a:extLst>
+            </p:cNvPr>
+            <p:cNvSpPr txBox="1"/>
+            <p:nvPr/>
+          </p:nvSpPr>
+          <p:spPr>
+            <a:xfrm rot="16200000">
+              <a:off x="5151612" y="5996662"/>
+              <a:ext cx="1153398" cy="369332"/>
+            </a:xfrm>
+            <a:prstGeom prst="rect">
+              <a:avLst/>
+            </a:prstGeom>
+            <a:noFill/>
+            <a:ln>
+              <a:noFill/>
+              <a:prstDash val="dash"/>
+            </a:ln>
+          </p:spPr>
+          <p:txBody>
+            <a:bodyPr wrap="square" rtlCol="0">
+              <a:spAutoFit/>
+            </a:bodyPr>
+            <a:lstStyle/>
+            <a:p>
+              <a:pPr algn="ctr"/>
+              <a:r>
+                <a:rPr lang="en-GB" dirty="0">
+                  <a:solidFill>
+                    <a:schemeClr val="bg1">
+                      <a:lumMod val="50000"/>
+                    </a:schemeClr>
+                  </a:solidFill>
+                </a:rPr>
+                <a:t>𝜏(</a:t>
+              </a:r>
+              <a:r>
+                <a:rPr lang="en-GB" i="1" dirty="0">
+                  <a:solidFill>
+                    <a:schemeClr val="bg1"/>
+                  </a:solidFill>
+                  <a:highlight>
+                    <a:srgbClr val="808080"/>
+                  </a:highlight>
+                </a:rPr>
+                <a:t>t</a:t>
+              </a:r>
+              <a:r>
+                <a:rPr lang="en-GB" dirty="0">
+                  <a:solidFill>
+                    <a:schemeClr val="bg1"/>
+                  </a:solidFill>
+                  <a:highlight>
+                    <a:srgbClr val="808080"/>
+                  </a:highlight>
+                </a:rPr>
+                <a:t>-p</a:t>
+              </a:r>
+              <a:r>
+                <a:rPr lang="en-GB" dirty="0">
+                  <a:solidFill>
+                    <a:schemeClr val="bg1">
+                      <a:lumMod val="50000"/>
+                    </a:schemeClr>
+                  </a:solidFill>
+                </a:rPr>
+                <a:t> </a:t>
+              </a:r>
+              <a:r>
+                <a:rPr lang="en-GB" b="1" dirty="0">
+                  <a:solidFill>
+                    <a:schemeClr val="bg1">
+                      <a:lumMod val="50000"/>
+                    </a:schemeClr>
+                  </a:solidFill>
+                </a:rPr>
+                <a:t>X</a:t>
+              </a:r>
+              <a:r>
+                <a:rPr lang="en-GB" dirty="0">
+                  <a:solidFill>
+                    <a:schemeClr val="bg1">
+                      <a:lumMod val="50000"/>
+                    </a:schemeClr>
+                  </a:solidFill>
+                </a:rPr>
+                <a:t>)</a:t>
+              </a:r>
+            </a:p>
+          </p:txBody>
+        </p:sp>
+        <p:pic>
+          <p:nvPicPr>
+            <p:cNvPr id="49" name="Picture 48" descr="A screenshot of a cell phone&#10;&#10;Description automatically generated">
+              <a:extLst>
+                <a:ext uri="{FF2B5EF4-FFF2-40B4-BE49-F238E27FC236}">
+                  <a16:creationId xmlns:a16="http://schemas.microsoft.com/office/drawing/2014/main" id="{2FEB0F03-6063-4E31-A342-5449452DEB28}"/>
+                </a:ext>
+              </a:extLst>
+            </p:cNvPr>
+            <p:cNvPicPr>
+              <a:picLocks noChangeAspect="1"/>
+            </p:cNvPicPr>
+            <p:nvPr/>
+          </p:nvPicPr>
+          <p:blipFill rotWithShape="1">
+            <a:blip r:embed="rId5">
+              <a:extLst>
+                <a:ext uri="{28A0092B-C50C-407E-A947-70E740481C1C}">
+                  <a14:useLocalDpi xmlns:a14="http://schemas.microsoft.com/office/drawing/2010/main" val="0"/>
+                </a:ext>
+              </a:extLst>
+            </a:blip>
+            <a:srcRect l="3500" t="5630" r="3639" b="2965"/>
+            <a:stretch/>
+          </p:blipFill>
+          <p:spPr>
+            <a:xfrm>
+              <a:off x="6103185" y="3480407"/>
+              <a:ext cx="3701789" cy="3643760"/>
+            </a:xfrm>
+            <a:prstGeom prst="rect">
+              <a:avLst/>
+            </a:prstGeom>
+          </p:spPr>
+        </p:pic>
+        <p:sp>
+          <p:nvSpPr>
+            <p:cNvPr id="2" name="TextBox 1">
+              <a:extLst>
+                <a:ext uri="{FF2B5EF4-FFF2-40B4-BE49-F238E27FC236}">
+                  <a16:creationId xmlns:a16="http://schemas.microsoft.com/office/drawing/2014/main" id="{F0FB44AE-9916-4C68-BB9F-62ED394917FD}"/>
+                </a:ext>
+              </a:extLst>
+            </p:cNvPr>
+            <p:cNvSpPr txBox="1"/>
+            <p:nvPr/>
+          </p:nvSpPr>
+          <p:spPr>
+            <a:xfrm>
+              <a:off x="7371022" y="5110912"/>
+              <a:ext cx="2191878" cy="646331"/>
+            </a:xfrm>
+            <a:prstGeom prst="rect">
+              <a:avLst/>
+            </a:prstGeom>
+            <a:noFill/>
+          </p:spPr>
+          <p:txBody>
+            <a:bodyPr wrap="square" rtlCol="0">
+              <a:spAutoFit/>
+            </a:bodyPr>
+            <a:lstStyle/>
+            <a:p>
+              <a:r>
+                <a:rPr lang="en-GB" u="dash" dirty="0">
+                  <a:solidFill>
+                    <a:schemeClr val="bg1">
+                      <a:lumMod val="50000"/>
+                    </a:schemeClr>
+                  </a:solidFill>
+                </a:rPr>
+                <a:t>global envelope test</a:t>
+              </a:r>
+              <a:r>
+                <a:rPr lang="en-GB" dirty="0">
+                  <a:solidFill>
+                    <a:schemeClr val="bg1">
+                      <a:lumMod val="50000"/>
+                    </a:schemeClr>
+                  </a:solidFill>
+                </a:rPr>
+                <a:t>: evidence </a:t>
+              </a:r>
+              <a:r>
+                <a:rPr lang="en-GB" i="1" dirty="0">
+                  <a:solidFill>
+                    <a:schemeClr val="bg1">
+                      <a:lumMod val="50000"/>
+                    </a:schemeClr>
+                  </a:solidFill>
+                </a:rPr>
+                <a:t>vs.</a:t>
+              </a:r>
+              <a:r>
+                <a:rPr lang="en-GB" dirty="0">
+                  <a:solidFill>
+                    <a:schemeClr val="bg1">
+                      <a:lumMod val="50000"/>
+                    </a:schemeClr>
+                  </a:solidFill>
+                </a:rPr>
+                <a:t> H</a:t>
+              </a:r>
+              <a:r>
+                <a:rPr lang="en-GB" baseline="-25000" dirty="0">
+                  <a:solidFill>
+                    <a:schemeClr val="bg1">
+                      <a:lumMod val="50000"/>
+                    </a:schemeClr>
+                  </a:solidFill>
+                </a:rPr>
+                <a:t>0</a:t>
+              </a:r>
+              <a:r>
+                <a:rPr lang="en-GB" dirty="0">
+                  <a:solidFill>
+                    <a:schemeClr val="bg1">
+                      <a:lumMod val="50000"/>
+                    </a:schemeClr>
+                  </a:solidFill>
+                </a:rPr>
+                <a:t>: 𝜏=1</a:t>
+              </a:r>
+            </a:p>
+          </p:txBody>
+        </p:sp>
+        <p:cxnSp>
+          <p:nvCxnSpPr>
+            <p:cNvPr id="12" name="Straight Arrow Connector 11">
+              <a:extLst>
+                <a:ext uri="{FF2B5EF4-FFF2-40B4-BE49-F238E27FC236}">
+                  <a16:creationId xmlns:a16="http://schemas.microsoft.com/office/drawing/2014/main" id="{E3152B1B-42A4-4E9E-90ED-AA2BFE6F960D}"/>
+                </a:ext>
+              </a:extLst>
+            </p:cNvPr>
+            <p:cNvCxnSpPr>
+              <a:cxnSpLocks/>
+            </p:cNvCxnSpPr>
+            <p:nvPr/>
+          </p:nvCxnSpPr>
+          <p:spPr>
+            <a:xfrm flipH="1">
+              <a:off x="7128949" y="5426141"/>
+              <a:ext cx="334813" cy="610651"/>
+            </a:xfrm>
+            <a:prstGeom prst="straightConnector1">
+              <a:avLst/>
+            </a:prstGeom>
+            <a:ln>
+              <a:prstDash val="dash"/>
+              <a:tailEnd type="triangle"/>
+            </a:ln>
+          </p:spPr>
+          <p:style>
+            <a:lnRef idx="1">
+              <a:schemeClr val="accent1"/>
+            </a:lnRef>
+            <a:fillRef idx="0">
+              <a:schemeClr val="accent1"/>
+            </a:fillRef>
+            <a:effectRef idx="0">
+              <a:schemeClr val="accent1"/>
+            </a:effectRef>
+            <a:fontRef idx="minor">
+              <a:schemeClr val="tx1"/>
+            </a:fontRef>
+          </p:style>
+        </p:cxnSp>
+        <p:cxnSp>
+          <p:nvCxnSpPr>
+            <p:cNvPr id="103" name="Straight Arrow Connector 102">
+              <a:extLst>
+                <a:ext uri="{FF2B5EF4-FFF2-40B4-BE49-F238E27FC236}">
+                  <a16:creationId xmlns:a16="http://schemas.microsoft.com/office/drawing/2014/main" id="{2E2C2B13-5448-4B3C-A86E-53BE82B80971}"/>
+                </a:ext>
+              </a:extLst>
+            </p:cNvPr>
+            <p:cNvCxnSpPr>
+              <a:cxnSpLocks/>
+            </p:cNvCxnSpPr>
+            <p:nvPr/>
+          </p:nvCxnSpPr>
+          <p:spPr>
+            <a:xfrm>
+              <a:off x="9346019" y="5426141"/>
+              <a:ext cx="202395" cy="1117047"/>
+            </a:xfrm>
+            <a:prstGeom prst="straightConnector1">
+              <a:avLst/>
+            </a:prstGeom>
+            <a:ln>
+              <a:prstDash val="dash"/>
+              <a:tailEnd type="triangle"/>
+            </a:ln>
+          </p:spPr>
+          <p:style>
+            <a:lnRef idx="1">
+              <a:schemeClr val="accent1"/>
+            </a:lnRef>
+            <a:fillRef idx="0">
+              <a:schemeClr val="accent1"/>
+            </a:fillRef>
+            <a:effectRef idx="0">
+              <a:schemeClr val="accent1"/>
+            </a:effectRef>
+            <a:fontRef idx="minor">
+              <a:schemeClr val="tx1"/>
+            </a:fontRef>
+          </p:style>
+        </p:cxnSp>
+        <p:sp>
+          <p:nvSpPr>
+            <p:cNvPr id="121" name="Left Brace 120">
+              <a:extLst>
+                <a:ext uri="{FF2B5EF4-FFF2-40B4-BE49-F238E27FC236}">
+                  <a16:creationId xmlns:a16="http://schemas.microsoft.com/office/drawing/2014/main" id="{A65505C4-90EF-4034-8FD1-844D4EEA41F5}"/>
+                </a:ext>
+              </a:extLst>
+            </p:cNvPr>
+            <p:cNvSpPr/>
+            <p:nvPr/>
+          </p:nvSpPr>
+          <p:spPr>
+            <a:xfrm>
+              <a:off x="5962529" y="5734512"/>
+              <a:ext cx="191570" cy="922924"/>
+            </a:xfrm>
+            <a:prstGeom prst="leftBrace">
+              <a:avLst/>
+            </a:prstGeom>
+            <a:ln w="28575">
+              <a:solidFill>
+                <a:schemeClr val="bg1">
+                  <a:lumMod val="75000"/>
+                </a:schemeClr>
+              </a:solidFill>
+            </a:ln>
+          </p:spPr>
+          <p:style>
+            <a:lnRef idx="1">
+              <a:schemeClr val="accent1"/>
+            </a:lnRef>
+            <a:fillRef idx="0">
+              <a:schemeClr val="accent1"/>
+            </a:fillRef>
+            <a:effectRef idx="0">
+              <a:schemeClr val="accent1"/>
+            </a:effectRef>
+            <a:fontRef idx="minor">
+              <a:schemeClr val="tx1"/>
+            </a:fontRef>
+          </p:style>
+          <p:txBody>
+            <a:bodyPr rtlCol="0" anchor="ctr"/>
+            <a:lstStyle/>
+            <a:p>
+              <a:pPr algn="ctr"/>
+              <a:endParaRPr lang="en-GB">
+                <a:solidFill>
+                  <a:schemeClr val="bg1">
+                    <a:lumMod val="50000"/>
+                  </a:schemeClr>
+                </a:solidFill>
+              </a:endParaRPr>
+            </a:p>
+          </p:txBody>
+        </p:sp>
+        <p:sp>
+          <p:nvSpPr>
+            <p:cNvPr id="81" name="Oval 80">
+              <a:extLst>
+                <a:ext uri="{FF2B5EF4-FFF2-40B4-BE49-F238E27FC236}">
+                  <a16:creationId xmlns:a16="http://schemas.microsoft.com/office/drawing/2014/main" id="{BAF1008E-21E0-4386-975B-F1AD72554B4A}"/>
+                </a:ext>
+              </a:extLst>
+            </p:cNvPr>
+            <p:cNvSpPr/>
+            <p:nvPr/>
+          </p:nvSpPr>
+          <p:spPr>
+            <a:xfrm rot="4518406">
+              <a:off x="5479307" y="4583031"/>
+              <a:ext cx="2618503" cy="660675"/>
+            </a:xfrm>
+            <a:prstGeom prst="ellipse">
+              <a:avLst/>
+            </a:prstGeom>
+            <a:noFill/>
+          </p:spPr>
+          <p:style>
+            <a:lnRef idx="2">
+              <a:schemeClr val="accent1">
+                <a:shade val="50000"/>
+              </a:schemeClr>
+            </a:lnRef>
+            <a:fillRef idx="1">
+              <a:schemeClr val="accent1"/>
+            </a:fillRef>
+            <a:effectRef idx="0">
+              <a:schemeClr val="accent1"/>
+            </a:effectRef>
+            <a:fontRef idx="minor">
+              <a:schemeClr val="lt1"/>
+            </a:fontRef>
+          </p:style>
+          <p:txBody>
+            <a:bodyPr rtlCol="0" anchor="ctr"/>
+            <a:lstStyle/>
+            <a:p>
+              <a:pPr algn="ctr"/>
+              <a:endParaRPr lang="en-GB"/>
+            </a:p>
+          </p:txBody>
+        </p:sp>
+        <p:sp>
+          <p:nvSpPr>
+            <p:cNvPr id="110" name="TextBox 109">
+              <a:extLst>
+                <a:ext uri="{FF2B5EF4-FFF2-40B4-BE49-F238E27FC236}">
+                  <a16:creationId xmlns:a16="http://schemas.microsoft.com/office/drawing/2014/main" id="{81163330-EC06-4487-9ABA-F9F17017B2C7}"/>
+                </a:ext>
+              </a:extLst>
+            </p:cNvPr>
+            <p:cNvSpPr txBox="1"/>
+            <p:nvPr/>
+          </p:nvSpPr>
+          <p:spPr>
+            <a:xfrm>
+              <a:off x="5671076" y="4618391"/>
+              <a:ext cx="706579" cy="369332"/>
+            </a:xfrm>
+            <a:prstGeom prst="rect">
+              <a:avLst/>
+            </a:prstGeom>
+            <a:noFill/>
+            <a:ln>
+              <a:noFill/>
+              <a:prstDash val="dash"/>
+            </a:ln>
+          </p:spPr>
+          <p:txBody>
+            <a:bodyPr wrap="square" rtlCol="0">
+              <a:spAutoFit/>
+            </a:bodyPr>
+            <a:lstStyle/>
+            <a:p>
+              <a:pPr algn="ctr"/>
+              <a:r>
+                <a:rPr lang="en-GB" dirty="0">
+                  <a:solidFill>
+                    <a:schemeClr val="bg1">
+                      <a:lumMod val="50000"/>
+                    </a:schemeClr>
+                  </a:solidFill>
+                </a:rPr>
+                <a:t>𝜏(</a:t>
+              </a:r>
+              <a:r>
+                <a:rPr lang="en-GB" b="1" dirty="0">
+                  <a:solidFill>
+                    <a:schemeClr val="bg1">
+                      <a:lumMod val="50000"/>
+                    </a:schemeClr>
+                  </a:solidFill>
+                </a:rPr>
+                <a:t>X</a:t>
+              </a:r>
+              <a:r>
+                <a:rPr lang="en-GB" dirty="0">
+                  <a:solidFill>
+                    <a:schemeClr val="bg1">
+                      <a:lumMod val="50000"/>
+                    </a:schemeClr>
+                  </a:solidFill>
+                </a:rPr>
+                <a:t>)</a:t>
+              </a:r>
+            </a:p>
+          </p:txBody>
+        </p:sp>
+        <p:cxnSp>
+          <p:nvCxnSpPr>
+            <p:cNvPr id="126" name="Straight Arrow Connector 125">
+              <a:extLst>
+                <a:ext uri="{FF2B5EF4-FFF2-40B4-BE49-F238E27FC236}">
+                  <a16:creationId xmlns:a16="http://schemas.microsoft.com/office/drawing/2014/main" id="{B9BECF7A-6324-4DF9-8F72-7EFEEBDAB886}"/>
+                </a:ext>
+              </a:extLst>
+            </p:cNvPr>
+            <p:cNvCxnSpPr>
+              <a:cxnSpLocks/>
+            </p:cNvCxnSpPr>
+            <p:nvPr/>
+          </p:nvCxnSpPr>
+          <p:spPr>
+            <a:xfrm flipH="1">
+              <a:off x="6240910" y="4682490"/>
+              <a:ext cx="326953" cy="120567"/>
+            </a:xfrm>
+            <a:prstGeom prst="straightConnector1">
+              <a:avLst/>
+            </a:prstGeom>
+            <a:ln>
+              <a:prstDash val="dash"/>
+              <a:headEnd type="triangle" w="med" len="med"/>
+              <a:tailEnd type="none" w="med" len="med"/>
+            </a:ln>
+          </p:spPr>
+          <p:style>
+            <a:lnRef idx="1">
+              <a:schemeClr val="accent1"/>
+            </a:lnRef>
+            <a:fillRef idx="0">
+              <a:schemeClr val="accent1"/>
+            </a:fillRef>
+            <a:effectRef idx="0">
+              <a:schemeClr val="accent1"/>
+            </a:effectRef>
+            <a:fontRef idx="minor">
+              <a:schemeClr val="tx1"/>
+            </a:fontRef>
+          </p:style>
+        </p:cxnSp>
+      </p:grpSp>
+      <p:cxnSp>
+        <p:nvCxnSpPr>
+          <p:cNvPr id="82" name="Straight Arrow Connector 81">
+            <a:extLst>
+              <a:ext uri="{FF2B5EF4-FFF2-40B4-BE49-F238E27FC236}">
+                <a16:creationId xmlns:a16="http://schemas.microsoft.com/office/drawing/2014/main" id="{EEFDDD04-943C-4804-A456-0C8F660C6BB6}"/>
+              </a:ext>
+            </a:extLst>
+          </p:cNvPr>
+          <p:cNvCxnSpPr>
+            <a:cxnSpLocks/>
+          </p:cNvCxnSpPr>
+          <p:nvPr/>
+        </p:nvCxnSpPr>
+        <p:spPr>
+          <a:xfrm flipH="1">
+            <a:off x="7460478" y="1927103"/>
+            <a:ext cx="2301265" cy="1913094"/>
+          </a:xfrm>
+          <a:prstGeom prst="straightConnector1">
+            <a:avLst/>
+          </a:prstGeom>
+          <a:ln>
+            <a:prstDash val="dash"/>
+            <a:headEnd type="triangle" w="med" len="med"/>
+            <a:tailEnd type="none" w="med" len="med"/>
+          </a:ln>
+        </p:spPr>
+        <p:style>
+          <a:lnRef idx="1">
+            <a:schemeClr val="accent1"/>
+          </a:lnRef>
+          <a:fillRef idx="0">
+            <a:schemeClr val="accent1"/>
+          </a:fillRef>
+          <a:effectRef idx="0">
+            <a:schemeClr val="accent1"/>
+          </a:effectRef>
+          <a:fontRef idx="minor">
+            <a:schemeClr val="tx1"/>
+          </a:fontRef>
+        </p:style>
+      </p:cxnSp>
+      <p:sp>
+        <p:nvSpPr>
+          <p:cNvPr id="33" name="Oval 32">
+            <a:extLst>
+              <a:ext uri="{FF2B5EF4-FFF2-40B4-BE49-F238E27FC236}">
+                <a16:creationId xmlns:a16="http://schemas.microsoft.com/office/drawing/2014/main" id="{B87723A5-5310-4335-AC6C-20BE921E4DE7}"/>
+              </a:ext>
+            </a:extLst>
+          </p:cNvPr>
+          <p:cNvSpPr/>
+          <p:nvPr/>
+        </p:nvSpPr>
+        <p:spPr>
+          <a:xfrm>
+            <a:off x="14554200" y="4121419"/>
+            <a:ext cx="3183886" cy="2931496"/>
+          </a:xfrm>
+          <a:prstGeom prst="ellipse">
+            <a:avLst/>
+          </a:prstGeom>
+          <a:noFill/>
+        </p:spPr>
+        <p:style>
+          <a:lnRef idx="2">
+            <a:schemeClr val="accent1">
+              <a:shade val="50000"/>
+            </a:schemeClr>
+          </a:lnRef>
+          <a:fillRef idx="1">
+            <a:schemeClr val="accent1"/>
+          </a:fillRef>
+          <a:effectRef idx="0">
+            <a:schemeClr val="accent1"/>
+          </a:effectRef>
+          <a:fontRef idx="minor">
+            <a:schemeClr val="lt1"/>
+          </a:fontRef>
+        </p:style>
+        <p:txBody>
+          <a:bodyPr rtlCol="0" anchor="ctr"/>
+          <a:lstStyle/>
+          <a:p>
+            <a:pPr algn="ctr"/>
+            <a:endParaRPr lang="en-GB" sz="2400"/>
+          </a:p>
+        </p:txBody>
+      </p:sp>
+      <p:sp>
+        <p:nvSpPr>
+          <p:cNvPr id="37" name="Oval 36">
+            <a:extLst>
+              <a:ext uri="{FF2B5EF4-FFF2-40B4-BE49-F238E27FC236}">
+                <a16:creationId xmlns:a16="http://schemas.microsoft.com/office/drawing/2014/main" id="{17E6DA10-AEC1-4E4A-85C3-B9C534FC89F0}"/>
+              </a:ext>
+            </a:extLst>
+          </p:cNvPr>
+          <p:cNvSpPr/>
+          <p:nvPr/>
+        </p:nvSpPr>
+        <p:spPr>
+          <a:xfrm>
+            <a:off x="15060618" y="2356992"/>
+            <a:ext cx="1658932" cy="276083"/>
+          </a:xfrm>
+          <a:prstGeom prst="ellipse">
+            <a:avLst/>
+          </a:prstGeom>
+          <a:noFill/>
+        </p:spPr>
+        <p:style>
+          <a:lnRef idx="2">
+            <a:schemeClr val="accent1">
+              <a:shade val="50000"/>
+            </a:schemeClr>
+          </a:lnRef>
+          <a:fillRef idx="1">
+            <a:schemeClr val="accent1"/>
+          </a:fillRef>
+          <a:effectRef idx="0">
+            <a:schemeClr val="accent1"/>
+          </a:effectRef>
+          <a:fontRef idx="minor">
+            <a:schemeClr val="lt1"/>
+          </a:fontRef>
+        </p:style>
+        <p:txBody>
+          <a:bodyPr rtlCol="0" anchor="ctr"/>
+          <a:lstStyle/>
+          <a:p>
+            <a:pPr algn="ctr"/>
+            <a:endParaRPr lang="en-GB" sz="2400"/>
+          </a:p>
+        </p:txBody>
+      </p:sp>
+      <p:cxnSp>
+        <p:nvCxnSpPr>
+          <p:cNvPr id="46" name="Straight Connector 45">
+            <a:extLst>
+              <a:ext uri="{FF2B5EF4-FFF2-40B4-BE49-F238E27FC236}">
+                <a16:creationId xmlns:a16="http://schemas.microsoft.com/office/drawing/2014/main" id="{7E01F279-241B-4E77-85B8-C21CA63C9987}"/>
+              </a:ext>
+            </a:extLst>
+          </p:cNvPr>
+          <p:cNvCxnSpPr>
+            <a:cxnSpLocks/>
+          </p:cNvCxnSpPr>
+          <p:nvPr/>
+        </p:nvCxnSpPr>
+        <p:spPr>
+          <a:xfrm flipH="1" flipV="1">
+            <a:off x="16719551" y="2491666"/>
+            <a:ext cx="962113" cy="2672741"/>
+          </a:xfrm>
+          <a:prstGeom prst="line">
+            <a:avLst/>
+          </a:prstGeom>
+          <a:ln>
+            <a:solidFill>
+              <a:schemeClr val="accent1">
+                <a:lumMod val="60000"/>
+                <a:lumOff val="40000"/>
+              </a:schemeClr>
+            </a:solidFill>
+          </a:ln>
+        </p:spPr>
+        <p:style>
+          <a:lnRef idx="1">
+            <a:schemeClr val="accent1"/>
+          </a:lnRef>
+          <a:fillRef idx="0">
+            <a:schemeClr val="accent1"/>
+          </a:fillRef>
+          <a:effectRef idx="0">
+            <a:schemeClr val="accent1"/>
+          </a:effectRef>
+          <a:fontRef idx="minor">
+            <a:schemeClr val="tx1"/>
+          </a:fontRef>
+        </p:style>
+      </p:cxnSp>
+      <p:cxnSp>
+        <p:nvCxnSpPr>
+          <p:cNvPr id="39" name="Straight Connector 38">
+            <a:extLst>
+              <a:ext uri="{FF2B5EF4-FFF2-40B4-BE49-F238E27FC236}">
+                <a16:creationId xmlns:a16="http://schemas.microsoft.com/office/drawing/2014/main" id="{2DA2F11C-3218-4496-838B-DF0A300E0CE3}"/>
+              </a:ext>
+            </a:extLst>
+          </p:cNvPr>
+          <p:cNvCxnSpPr>
+            <a:cxnSpLocks/>
+            <a:stCxn id="37" idx="2"/>
+          </p:cNvCxnSpPr>
+          <p:nvPr/>
+        </p:nvCxnSpPr>
+        <p:spPr>
+          <a:xfrm flipH="1">
+            <a:off x="14554200" y="2495034"/>
+            <a:ext cx="506418" cy="2931107"/>
+          </a:xfrm>
+          <a:prstGeom prst="line">
+            <a:avLst/>
+          </a:prstGeom>
+          <a:ln>
+            <a:solidFill>
+              <a:schemeClr val="accent1">
+                <a:lumMod val="60000"/>
+                <a:lumOff val="40000"/>
+              </a:schemeClr>
+            </a:solidFill>
+          </a:ln>
+        </p:spPr>
+        <p:style>
+          <a:lnRef idx="1">
+            <a:schemeClr val="accent1"/>
+          </a:lnRef>
+          <a:fillRef idx="0">
+            <a:schemeClr val="accent1"/>
+          </a:fillRef>
+          <a:effectRef idx="0">
+            <a:schemeClr val="accent1"/>
+          </a:effectRef>
+          <a:fontRef idx="minor">
+            <a:schemeClr val="tx1"/>
+          </a:fontRef>
+        </p:style>
+      </p:cxnSp>
+      <p:cxnSp>
+        <p:nvCxnSpPr>
+          <p:cNvPr id="83" name="Straight Arrow Connector 82">
+            <a:extLst>
+              <a:ext uri="{FF2B5EF4-FFF2-40B4-BE49-F238E27FC236}">
+                <a16:creationId xmlns:a16="http://schemas.microsoft.com/office/drawing/2014/main" id="{CB4299EC-35C6-4649-99A7-01D1AC348A89}"/>
+              </a:ext>
+            </a:extLst>
+          </p:cNvPr>
+          <p:cNvCxnSpPr>
+            <a:cxnSpLocks/>
+          </p:cNvCxnSpPr>
+          <p:nvPr/>
+        </p:nvCxnSpPr>
+        <p:spPr>
+          <a:xfrm flipV="1">
+            <a:off x="11384961" y="1253131"/>
+            <a:ext cx="3245439" cy="473987"/>
+          </a:xfrm>
+          <a:prstGeom prst="straightConnector1">
+            <a:avLst/>
+          </a:prstGeom>
+          <a:ln>
+            <a:prstDash val="dash"/>
+            <a:tailEnd type="triangle"/>
+          </a:ln>
+        </p:spPr>
+        <p:style>
+          <a:lnRef idx="1">
+            <a:schemeClr val="accent1"/>
+          </a:lnRef>
+          <a:fillRef idx="0">
+            <a:schemeClr val="accent1"/>
+          </a:fillRef>
+          <a:effectRef idx="0">
+            <a:schemeClr val="accent1"/>
+          </a:effectRef>
+          <a:fontRef idx="minor">
+            <a:schemeClr val="tx1"/>
+          </a:fontRef>
+        </p:style>
+      </p:cxnSp>
+      <p:cxnSp>
+        <p:nvCxnSpPr>
+          <p:cNvPr id="107" name="Straight Arrow Connector 106">
+            <a:extLst>
+              <a:ext uri="{FF2B5EF4-FFF2-40B4-BE49-F238E27FC236}">
+                <a16:creationId xmlns:a16="http://schemas.microsoft.com/office/drawing/2014/main" id="{54EBC517-73DE-4457-9D0F-18BED9E38882}"/>
+              </a:ext>
+            </a:extLst>
+          </p:cNvPr>
+          <p:cNvCxnSpPr>
+            <a:cxnSpLocks/>
+          </p:cNvCxnSpPr>
+          <p:nvPr/>
+        </p:nvCxnSpPr>
+        <p:spPr>
+          <a:xfrm flipV="1">
+            <a:off x="13290878" y="2519191"/>
+            <a:ext cx="1849970" cy="1238669"/>
+          </a:xfrm>
+          <a:prstGeom prst="straightConnector1">
+            <a:avLst/>
+          </a:prstGeom>
+          <a:ln>
+            <a:prstDash val="dash"/>
+            <a:tailEnd type="triangle"/>
+          </a:ln>
+        </p:spPr>
+        <p:style>
+          <a:lnRef idx="1">
+            <a:schemeClr val="accent1"/>
+          </a:lnRef>
+          <a:fillRef idx="0">
+            <a:schemeClr val="accent1"/>
+          </a:fillRef>
+          <a:effectRef idx="0">
+            <a:schemeClr val="accent1"/>
+          </a:effectRef>
+          <a:fontRef idx="minor">
+            <a:schemeClr val="tx1"/>
+          </a:fontRef>
+        </p:style>
+      </p:cxnSp>
+      <p:cxnSp>
+        <p:nvCxnSpPr>
+          <p:cNvPr id="114" name="Straight Connector 113">
+            <a:extLst>
+              <a:ext uri="{FF2B5EF4-FFF2-40B4-BE49-F238E27FC236}">
+                <a16:creationId xmlns:a16="http://schemas.microsoft.com/office/drawing/2014/main" id="{F5178E3A-5B26-4E7A-86A6-2B766D9C67E1}"/>
+              </a:ext>
+            </a:extLst>
+          </p:cNvPr>
+          <p:cNvCxnSpPr>
+            <a:cxnSpLocks/>
+          </p:cNvCxnSpPr>
+          <p:nvPr/>
+        </p:nvCxnSpPr>
+        <p:spPr>
+          <a:xfrm>
+            <a:off x="16255269" y="2558527"/>
+            <a:ext cx="188028" cy="1562892"/>
+          </a:xfrm>
+          <a:prstGeom prst="line">
+            <a:avLst/>
+          </a:prstGeom>
+          <a:ln>
+            <a:solidFill>
+              <a:schemeClr val="accent1">
+                <a:lumMod val="60000"/>
+                <a:lumOff val="40000"/>
+              </a:schemeClr>
+            </a:solidFill>
+            <a:prstDash val="dash"/>
+            <a:headEnd type="none" w="med" len="med"/>
+            <a:tailEnd type="arrow" w="med" len="med"/>
+          </a:ln>
+        </p:spPr>
+        <p:style>
+          <a:lnRef idx="1">
+            <a:schemeClr val="accent1"/>
+          </a:lnRef>
+          <a:fillRef idx="0">
+            <a:schemeClr val="accent1"/>
+          </a:fillRef>
+          <a:effectRef idx="0">
+            <a:schemeClr val="accent1"/>
+          </a:effectRef>
+          <a:fontRef idx="minor">
+            <a:schemeClr val="tx1"/>
+          </a:fontRef>
+        </p:style>
+      </p:cxnSp>
     </p:spTree>
     <p:extLst>
       <p:ext uri="{BB962C8B-B14F-4D97-AF65-F5344CB8AC3E}">

--- a/figs/graphicalabstract.pptx
+++ b/figs/graphicalabstract.pptx
@@ -6730,6 +6730,35 @@
           </a:fontRef>
         </p:style>
       </p:cxnSp>
+      <p:pic>
+        <p:nvPicPr>
+          <p:cNvPr id="10" name="Picture 9">
+            <a:extLst>
+              <a:ext uri="{FF2B5EF4-FFF2-40B4-BE49-F238E27FC236}">
+                <a16:creationId xmlns:a16="http://schemas.microsoft.com/office/drawing/2014/main" id="{5D46908B-1B1E-4256-840A-6C3F036E968C}"/>
+              </a:ext>
+            </a:extLst>
+          </p:cNvPr>
+          <p:cNvPicPr>
+            <a:picLocks noChangeAspect="1"/>
+          </p:cNvPicPr>
+          <p:nvPr/>
+        </p:nvPicPr>
+        <p:blipFill rotWithShape="1">
+          <a:blip r:embed="rId6"/>
+          <a:srcRect l="39171" t="22759" r="50560" b="52154"/>
+          <a:stretch/>
+        </p:blipFill>
+        <p:spPr>
+          <a:xfrm>
+            <a:off x="16378356" y="3307238"/>
+            <a:ext cx="186304" cy="255906"/>
+          </a:xfrm>
+          <a:prstGeom prst="rect">
+            <a:avLst/>
+          </a:prstGeom>
+        </p:spPr>
+      </p:pic>
       <p:cxnSp>
         <p:nvCxnSpPr>
           <p:cNvPr id="114" name="Straight Connector 113">
